--- a/ppt/PhD-Tervek-Jozsefnek.pptx
+++ b/ppt/PhD-Tervek-Jozsefnek.pptx
@@ -5,10 +5,10 @@
     <p:sldMasterId id="2147483648" r:id="rId1"/>
   </p:sldMasterIdLst>
   <p:notesMasterIdLst>
-    <p:notesMasterId r:id="rId15"/>
+    <p:notesMasterId r:id="rId17"/>
   </p:notesMasterIdLst>
   <p:handoutMasterIdLst>
-    <p:handoutMasterId r:id="rId16"/>
+    <p:handoutMasterId r:id="rId18"/>
   </p:handoutMasterIdLst>
   <p:sldIdLst>
     <p:sldId id="826" r:id="rId2"/>
@@ -23,7 +23,9 @@
     <p:sldId id="861" r:id="rId11"/>
     <p:sldId id="862" r:id="rId12"/>
     <p:sldId id="863" r:id="rId13"/>
-    <p:sldId id="592" r:id="rId14"/>
+    <p:sldId id="864" r:id="rId14"/>
+    <p:sldId id="865" r:id="rId15"/>
+    <p:sldId id="592" r:id="rId16"/>
   </p:sldIdLst>
   <p:sldSz cx="12192000" cy="6858000"/>
   <p:notesSz cx="6858000" cy="9144000"/>
@@ -139,6 +141,8 @@
             <p14:sldId id="861"/>
             <p14:sldId id="862"/>
             <p14:sldId id="863"/>
+            <p14:sldId id="864"/>
+            <p14:sldId id="865"/>
           </p14:sldIdLst>
         </p14:section>
         <p14:section name="Micado-Optimizer-Test" id="{A6070C13-4E6C-4DB2-B14E-35A00B10BF4F}">
@@ -1053,6 +1057,176 @@
     <p:extLst>
       <p:ext uri="{BB962C8B-B14F-4D97-AF65-F5344CB8AC3E}">
         <p14:creationId xmlns:p14="http://schemas.microsoft.com/office/powerpoint/2010/main" val="3932332321"/>
+      </p:ext>
+    </p:extLst>
+  </p:cSld>
+  <p:clrMapOvr>
+    <a:masterClrMapping/>
+  </p:clrMapOvr>
+</p:notes>
+</file>
+
+<file path=ppt/notesSlides/notesSlide13.xml><?xml version="1.0" encoding="utf-8"?>
+<p:notes xmlns:a="http://schemas.openxmlformats.org/drawingml/2006/main" xmlns:r="http://schemas.openxmlformats.org/officeDocument/2006/relationships" xmlns:p="http://schemas.openxmlformats.org/presentationml/2006/main">
+  <p:cSld>
+    <p:spTree>
+      <p:nvGrpSpPr>
+        <p:cNvPr id="1" name=""/>
+        <p:cNvGrpSpPr/>
+        <p:nvPr/>
+      </p:nvGrpSpPr>
+      <p:grpSpPr>
+        <a:xfrm>
+          <a:off x="0" y="0"/>
+          <a:ext cx="0" cy="0"/>
+          <a:chOff x="0" y="0"/>
+          <a:chExt cx="0" cy="0"/>
+        </a:xfrm>
+      </p:grpSpPr>
+      <p:sp>
+        <p:nvSpPr>
+          <p:cNvPr id="2" name="Diakép helye 1"/>
+          <p:cNvSpPr>
+            <a:spLocks noGrp="1" noRot="1" noChangeAspect="1"/>
+          </p:cNvSpPr>
+          <p:nvPr>
+            <p:ph type="sldImg"/>
+          </p:nvPr>
+        </p:nvSpPr>
+        <p:spPr/>
+      </p:sp>
+      <p:sp>
+        <p:nvSpPr>
+          <p:cNvPr id="3" name="Jegyzetek helye 2"/>
+          <p:cNvSpPr>
+            <a:spLocks noGrp="1"/>
+          </p:cNvSpPr>
+          <p:nvPr>
+            <p:ph type="body" idx="1"/>
+          </p:nvPr>
+        </p:nvSpPr>
+        <p:spPr/>
+        <p:txBody>
+          <a:bodyPr/>
+          <a:lstStyle/>
+          <a:p>
+            <a:endParaRPr lang="hu-HU" dirty="0"/>
+          </a:p>
+        </p:txBody>
+      </p:sp>
+      <p:sp>
+        <p:nvSpPr>
+          <p:cNvPr id="4" name="Dia számának helye 3"/>
+          <p:cNvSpPr>
+            <a:spLocks noGrp="1"/>
+          </p:cNvSpPr>
+          <p:nvPr>
+            <p:ph type="sldNum" sz="quarter" idx="10"/>
+          </p:nvPr>
+        </p:nvSpPr>
+        <p:spPr/>
+        <p:txBody>
+          <a:bodyPr/>
+          <a:lstStyle/>
+          <a:p>
+            <a:pPr rtl="0"/>
+            <a:fld id="{B8649DAF-093F-4482-AA38-346E9A2DEE94}" type="slidenum">
+              <a:rPr lang="hu-HU" smtClean="0"/>
+              <a:t>13</a:t>
+            </a:fld>
+            <a:endParaRPr lang="hu-HU" dirty="0"/>
+          </a:p>
+        </p:txBody>
+      </p:sp>
+    </p:spTree>
+    <p:extLst>
+      <p:ext uri="{BB962C8B-B14F-4D97-AF65-F5344CB8AC3E}">
+        <p14:creationId xmlns:p14="http://schemas.microsoft.com/office/powerpoint/2010/main" val="2486513509"/>
+      </p:ext>
+    </p:extLst>
+  </p:cSld>
+  <p:clrMapOvr>
+    <a:masterClrMapping/>
+  </p:clrMapOvr>
+</p:notes>
+</file>
+
+<file path=ppt/notesSlides/notesSlide14.xml><?xml version="1.0" encoding="utf-8"?>
+<p:notes xmlns:a="http://schemas.openxmlformats.org/drawingml/2006/main" xmlns:r="http://schemas.openxmlformats.org/officeDocument/2006/relationships" xmlns:p="http://schemas.openxmlformats.org/presentationml/2006/main">
+  <p:cSld>
+    <p:spTree>
+      <p:nvGrpSpPr>
+        <p:cNvPr id="1" name=""/>
+        <p:cNvGrpSpPr/>
+        <p:nvPr/>
+      </p:nvGrpSpPr>
+      <p:grpSpPr>
+        <a:xfrm>
+          <a:off x="0" y="0"/>
+          <a:ext cx="0" cy="0"/>
+          <a:chOff x="0" y="0"/>
+          <a:chExt cx="0" cy="0"/>
+        </a:xfrm>
+      </p:grpSpPr>
+      <p:sp>
+        <p:nvSpPr>
+          <p:cNvPr id="2" name="Diakép helye 1"/>
+          <p:cNvSpPr>
+            <a:spLocks noGrp="1" noRot="1" noChangeAspect="1"/>
+          </p:cNvSpPr>
+          <p:nvPr>
+            <p:ph type="sldImg"/>
+          </p:nvPr>
+        </p:nvSpPr>
+        <p:spPr/>
+      </p:sp>
+      <p:sp>
+        <p:nvSpPr>
+          <p:cNvPr id="3" name="Jegyzetek helye 2"/>
+          <p:cNvSpPr>
+            <a:spLocks noGrp="1"/>
+          </p:cNvSpPr>
+          <p:nvPr>
+            <p:ph type="body" idx="1"/>
+          </p:nvPr>
+        </p:nvSpPr>
+        <p:spPr/>
+        <p:txBody>
+          <a:bodyPr/>
+          <a:lstStyle/>
+          <a:p>
+            <a:endParaRPr lang="hu-HU" dirty="0"/>
+          </a:p>
+        </p:txBody>
+      </p:sp>
+      <p:sp>
+        <p:nvSpPr>
+          <p:cNvPr id="4" name="Dia számának helye 3"/>
+          <p:cNvSpPr>
+            <a:spLocks noGrp="1"/>
+          </p:cNvSpPr>
+          <p:nvPr>
+            <p:ph type="sldNum" sz="quarter" idx="10"/>
+          </p:nvPr>
+        </p:nvSpPr>
+        <p:spPr/>
+        <p:txBody>
+          <a:bodyPr/>
+          <a:lstStyle/>
+          <a:p>
+            <a:pPr rtl="0"/>
+            <a:fld id="{B8649DAF-093F-4482-AA38-346E9A2DEE94}" type="slidenum">
+              <a:rPr lang="hu-HU" smtClean="0"/>
+              <a:t>14</a:t>
+            </a:fld>
+            <a:endParaRPr lang="hu-HU" dirty="0"/>
+          </a:p>
+        </p:txBody>
+      </p:sp>
+    </p:spTree>
+    <p:extLst>
+      <p:ext uri="{BB962C8B-B14F-4D97-AF65-F5344CB8AC3E}">
+        <p14:creationId xmlns:p14="http://schemas.microsoft.com/office/powerpoint/2010/main" val="1492575674"/>
       </p:ext>
     </p:extLst>
   </p:cSld>
@@ -10502,6 +10676,2200 @@
 </file>
 
 <file path=ppt/slides/slide13.xml><?xml version="1.0" encoding="utf-8"?>
+<p:sld xmlns:a="http://schemas.openxmlformats.org/drawingml/2006/main" xmlns:r="http://schemas.openxmlformats.org/officeDocument/2006/relationships" xmlns:p="http://schemas.openxmlformats.org/presentationml/2006/main">
+  <p:cSld>
+    <p:spTree>
+      <p:nvGrpSpPr>
+        <p:cNvPr id="1" name=""/>
+        <p:cNvGrpSpPr/>
+        <p:nvPr/>
+      </p:nvGrpSpPr>
+      <p:grpSpPr>
+        <a:xfrm>
+          <a:off x="0" y="0"/>
+          <a:ext cx="0" cy="0"/>
+          <a:chOff x="0" y="0"/>
+          <a:chExt cx="0" cy="0"/>
+        </a:xfrm>
+      </p:grpSpPr>
+      <p:pic>
+        <p:nvPicPr>
+          <p:cNvPr id="4" name="Kép 3" descr="A képen háló látható&#10;&#10;Automatikusan generált leírás">
+            <a:extLst>
+              <a:ext uri="{FF2B5EF4-FFF2-40B4-BE49-F238E27FC236}">
+                <a16:creationId xmlns:a16="http://schemas.microsoft.com/office/drawing/2014/main" id="{B7B7332F-71BE-4DF1-8FF7-6FEAA97B25FB}"/>
+              </a:ext>
+            </a:extLst>
+          </p:cNvPr>
+          <p:cNvPicPr>
+            <a:picLocks noChangeAspect="1"/>
+          </p:cNvPicPr>
+          <p:nvPr/>
+        </p:nvPicPr>
+        <p:blipFill>
+          <a:blip r:embed="rId3">
+            <a:extLst>
+              <a:ext uri="{BEBA8EAE-BF5A-486C-A8C5-ECC9F3942E4B}">
+                <a14:imgProps xmlns:a14="http://schemas.microsoft.com/office/drawing/2010/main">
+                  <a14:imgLayer r:embed="rId4">
+                    <a14:imgEffect>
+                      <a14:sharpenSoften amount="-100000"/>
+                    </a14:imgEffect>
+                  </a14:imgLayer>
+                </a14:imgProps>
+              </a:ext>
+              <a:ext uri="{28A0092B-C50C-407E-A947-70E740481C1C}">
+                <a14:useLocalDpi xmlns:a14="http://schemas.microsoft.com/office/drawing/2010/main" val="0"/>
+              </a:ext>
+            </a:extLst>
+          </a:blip>
+          <a:stretch>
+            <a:fillRect/>
+          </a:stretch>
+        </p:blipFill>
+        <p:spPr>
+          <a:xfrm>
+            <a:off x="0" y="-3182798"/>
+            <a:ext cx="13475043" cy="10040798"/>
+          </a:xfrm>
+          <a:prstGeom prst="rect">
+            <a:avLst/>
+          </a:prstGeom>
+        </p:spPr>
+      </p:pic>
+      <p:sp>
+        <p:nvSpPr>
+          <p:cNvPr id="16" name="Szöveg helye 14">
+            <a:extLst>
+              <a:ext uri="{FF2B5EF4-FFF2-40B4-BE49-F238E27FC236}">
+                <a16:creationId xmlns:a16="http://schemas.microsoft.com/office/drawing/2014/main" id="{513EA38E-469D-46FF-AE7E-2E7EDFA603D7}"/>
+              </a:ext>
+            </a:extLst>
+          </p:cNvPr>
+          <p:cNvSpPr txBox="1">
+            <a:spLocks/>
+          </p:cNvSpPr>
+          <p:nvPr/>
+        </p:nvSpPr>
+        <p:spPr>
+          <a:xfrm>
+            <a:off x="541246" y="386452"/>
+            <a:ext cx="11427841" cy="942559"/>
+          </a:xfrm>
+          <a:prstGeom prst="rect">
+            <a:avLst/>
+          </a:prstGeom>
+          <a:noFill/>
+        </p:spPr>
+        <p:txBody>
+          <a:bodyPr vert="horz" lIns="108000" tIns="72000" rIns="72000" bIns="36000" rtlCol="0">
+            <a:noAutofit/>
+          </a:bodyPr>
+          <a:lstStyle>
+            <a:lvl1pPr marL="0" indent="0" algn="ctr" defTabSz="914400" rtl="0" eaLnBrk="1" latinLnBrk="0" hangingPunct="1">
+              <a:lnSpc>
+                <a:spcPct val="90000"/>
+              </a:lnSpc>
+              <a:spcBef>
+                <a:spcPts val="1000"/>
+              </a:spcBef>
+              <a:buFont typeface="Arial" panose="020B0604020202020204" pitchFamily="34" charset="0"/>
+              <a:buNone/>
+              <a:defRPr sz="1600" kern="1200">
+                <a:solidFill>
+                  <a:schemeClr val="tx1">
+                    <a:lumMod val="75000"/>
+                    <a:lumOff val="25000"/>
+                  </a:schemeClr>
+                </a:solidFill>
+                <a:latin typeface="+mn-lt"/>
+                <a:ea typeface="+mn-ea"/>
+                <a:cs typeface="+mn-cs"/>
+              </a:defRPr>
+            </a:lvl1pPr>
+            <a:lvl2pPr marL="542925" indent="-276225" algn="l" defTabSz="914400" rtl="0" eaLnBrk="1" latinLnBrk="0" hangingPunct="1">
+              <a:lnSpc>
+                <a:spcPct val="90000"/>
+              </a:lnSpc>
+              <a:spcBef>
+                <a:spcPts val="500"/>
+              </a:spcBef>
+              <a:buFont typeface="Arial" panose="020B0604020202020204" pitchFamily="34" charset="0"/>
+              <a:buChar char="•"/>
+              <a:defRPr sz="1600" kern="1200">
+                <a:solidFill>
+                  <a:schemeClr val="tx1">
+                    <a:lumMod val="75000"/>
+                    <a:lumOff val="25000"/>
+                  </a:schemeClr>
+                </a:solidFill>
+                <a:latin typeface="+mn-lt"/>
+                <a:ea typeface="+mn-ea"/>
+                <a:cs typeface="+mn-cs"/>
+              </a:defRPr>
+            </a:lvl2pPr>
+            <a:lvl3pPr marL="809625" indent="-266700" algn="l" defTabSz="914400" rtl="0" eaLnBrk="1" latinLnBrk="0" hangingPunct="1">
+              <a:lnSpc>
+                <a:spcPct val="90000"/>
+              </a:lnSpc>
+              <a:spcBef>
+                <a:spcPts val="500"/>
+              </a:spcBef>
+              <a:buFont typeface="Arial" panose="020B0604020202020204" pitchFamily="34" charset="0"/>
+              <a:buChar char="•"/>
+              <a:defRPr sz="1400" kern="1200">
+                <a:solidFill>
+                  <a:schemeClr val="tx1">
+                    <a:lumMod val="75000"/>
+                    <a:lumOff val="25000"/>
+                  </a:schemeClr>
+                </a:solidFill>
+                <a:latin typeface="+mn-lt"/>
+                <a:ea typeface="+mn-ea"/>
+                <a:cs typeface="+mn-cs"/>
+              </a:defRPr>
+            </a:lvl3pPr>
+            <a:lvl4pPr marL="1076325" indent="-266700" algn="l" defTabSz="914400" rtl="0" eaLnBrk="1" latinLnBrk="0" hangingPunct="1">
+              <a:lnSpc>
+                <a:spcPct val="90000"/>
+              </a:lnSpc>
+              <a:spcBef>
+                <a:spcPts val="500"/>
+              </a:spcBef>
+              <a:buFont typeface="Arial" panose="020B0604020202020204" pitchFamily="34" charset="0"/>
+              <a:buChar char="•"/>
+              <a:defRPr sz="1400" kern="1200">
+                <a:solidFill>
+                  <a:schemeClr val="tx1">
+                    <a:lumMod val="75000"/>
+                    <a:lumOff val="25000"/>
+                  </a:schemeClr>
+                </a:solidFill>
+                <a:latin typeface="+mn-lt"/>
+                <a:ea typeface="+mn-ea"/>
+                <a:cs typeface="+mn-cs"/>
+              </a:defRPr>
+            </a:lvl4pPr>
+            <a:lvl5pPr marL="1343025" indent="-266700" algn="l" defTabSz="914400" rtl="0" eaLnBrk="1" latinLnBrk="0" hangingPunct="1">
+              <a:lnSpc>
+                <a:spcPct val="90000"/>
+              </a:lnSpc>
+              <a:spcBef>
+                <a:spcPts val="500"/>
+              </a:spcBef>
+              <a:buFont typeface="Arial" panose="020B0604020202020204" pitchFamily="34" charset="0"/>
+              <a:buChar char="•"/>
+              <a:defRPr sz="1400" kern="1200">
+                <a:solidFill>
+                  <a:schemeClr val="tx1">
+                    <a:lumMod val="75000"/>
+                    <a:lumOff val="25000"/>
+                  </a:schemeClr>
+                </a:solidFill>
+                <a:latin typeface="+mn-lt"/>
+                <a:ea typeface="+mn-ea"/>
+                <a:cs typeface="+mn-cs"/>
+              </a:defRPr>
+            </a:lvl5pPr>
+            <a:lvl6pPr marL="2514600" indent="-228600" algn="l" defTabSz="914400" rtl="0" eaLnBrk="1" latinLnBrk="0" hangingPunct="1">
+              <a:lnSpc>
+                <a:spcPct val="90000"/>
+              </a:lnSpc>
+              <a:spcBef>
+                <a:spcPts val="500"/>
+              </a:spcBef>
+              <a:buFont typeface="Arial" panose="020B0604020202020204" pitchFamily="34" charset="0"/>
+              <a:buChar char="•"/>
+              <a:defRPr sz="1800" kern="1200">
+                <a:solidFill>
+                  <a:schemeClr val="tx1"/>
+                </a:solidFill>
+                <a:latin typeface="+mn-lt"/>
+                <a:ea typeface="+mn-ea"/>
+                <a:cs typeface="+mn-cs"/>
+              </a:defRPr>
+            </a:lvl6pPr>
+            <a:lvl7pPr marL="2971800" indent="-228600" algn="l" defTabSz="914400" rtl="0" eaLnBrk="1" latinLnBrk="0" hangingPunct="1">
+              <a:lnSpc>
+                <a:spcPct val="90000"/>
+              </a:lnSpc>
+              <a:spcBef>
+                <a:spcPts val="500"/>
+              </a:spcBef>
+              <a:buFont typeface="Arial" panose="020B0604020202020204" pitchFamily="34" charset="0"/>
+              <a:buChar char="•"/>
+              <a:defRPr sz="1800" kern="1200">
+                <a:solidFill>
+                  <a:schemeClr val="tx1"/>
+                </a:solidFill>
+                <a:latin typeface="+mn-lt"/>
+                <a:ea typeface="+mn-ea"/>
+                <a:cs typeface="+mn-cs"/>
+              </a:defRPr>
+            </a:lvl7pPr>
+            <a:lvl8pPr marL="3429000" indent="-228600" algn="l" defTabSz="914400" rtl="0" eaLnBrk="1" latinLnBrk="0" hangingPunct="1">
+              <a:lnSpc>
+                <a:spcPct val="90000"/>
+              </a:lnSpc>
+              <a:spcBef>
+                <a:spcPts val="500"/>
+              </a:spcBef>
+              <a:buFont typeface="Arial" panose="020B0604020202020204" pitchFamily="34" charset="0"/>
+              <a:buChar char="•"/>
+              <a:defRPr sz="1800" kern="1200">
+                <a:solidFill>
+                  <a:schemeClr val="tx1"/>
+                </a:solidFill>
+                <a:latin typeface="+mn-lt"/>
+                <a:ea typeface="+mn-ea"/>
+                <a:cs typeface="+mn-cs"/>
+              </a:defRPr>
+            </a:lvl8pPr>
+            <a:lvl9pPr marL="3886200" indent="-228600" algn="l" defTabSz="914400" rtl="0" eaLnBrk="1" latinLnBrk="0" hangingPunct="1">
+              <a:lnSpc>
+                <a:spcPct val="90000"/>
+              </a:lnSpc>
+              <a:spcBef>
+                <a:spcPts val="500"/>
+              </a:spcBef>
+              <a:buFont typeface="Arial" panose="020B0604020202020204" pitchFamily="34" charset="0"/>
+              <a:buChar char="•"/>
+              <a:defRPr sz="1800" kern="1200">
+                <a:solidFill>
+                  <a:schemeClr val="tx1"/>
+                </a:solidFill>
+                <a:latin typeface="+mn-lt"/>
+                <a:ea typeface="+mn-ea"/>
+                <a:cs typeface="+mn-cs"/>
+              </a:defRPr>
+            </a:lvl9pPr>
+          </a:lstStyle>
+          <a:p>
+            <a:pPr algn="l">
+              <a:lnSpc>
+                <a:spcPct val="100000"/>
+              </a:lnSpc>
+            </a:pPr>
+            <a:r>
+              <a:rPr lang="hu-HU" sz="4800" dirty="0" err="1">
+                <a:solidFill>
+                  <a:schemeClr val="bg1"/>
+                </a:solidFill>
+                <a:latin typeface="Georgia" panose="02040502050405020303" pitchFamily="18" charset="0"/>
+                <a:cs typeface="Arial" panose="020B0604020202020204" pitchFamily="34" charset="0"/>
+              </a:rPr>
+              <a:t>Further</a:t>
+            </a:r>
+            <a:r>
+              <a:rPr lang="hu-HU" sz="4800" dirty="0">
+                <a:solidFill>
+                  <a:schemeClr val="bg1"/>
+                </a:solidFill>
+                <a:latin typeface="Georgia" panose="02040502050405020303" pitchFamily="18" charset="0"/>
+                <a:cs typeface="Arial" panose="020B0604020202020204" pitchFamily="34" charset="0"/>
+              </a:rPr>
+              <a:t>  </a:t>
+            </a:r>
+            <a:r>
+              <a:rPr lang="hu-HU" sz="4800" dirty="0" err="1">
+                <a:solidFill>
+                  <a:schemeClr val="bg1"/>
+                </a:solidFill>
+                <a:latin typeface="Georgia" panose="02040502050405020303" pitchFamily="18" charset="0"/>
+                <a:cs typeface="Arial" panose="020B0604020202020204" pitchFamily="34" charset="0"/>
+              </a:rPr>
+              <a:t>Work</a:t>
+            </a:r>
+            <a:r>
+              <a:rPr lang="hu-HU" sz="4800" dirty="0">
+                <a:solidFill>
+                  <a:schemeClr val="bg1"/>
+                </a:solidFill>
+                <a:latin typeface="Georgia" panose="02040502050405020303" pitchFamily="18" charset="0"/>
+                <a:cs typeface="Arial" panose="020B0604020202020204" pitchFamily="34" charset="0"/>
+              </a:rPr>
+              <a:t> – </a:t>
+            </a:r>
+            <a:r>
+              <a:rPr lang="hu-HU" sz="4800" dirty="0" err="1">
+                <a:solidFill>
+                  <a:schemeClr val="bg1"/>
+                </a:solidFill>
+                <a:latin typeface="Georgia" panose="02040502050405020303" pitchFamily="18" charset="0"/>
+                <a:cs typeface="Arial" panose="020B0604020202020204" pitchFamily="34" charset="0"/>
+              </a:rPr>
+              <a:t>CloudSim</a:t>
+            </a:r>
+            <a:r>
+              <a:rPr lang="hu-HU" sz="4800" dirty="0">
+                <a:solidFill>
+                  <a:schemeClr val="bg1"/>
+                </a:solidFill>
+                <a:latin typeface="Georgia" panose="02040502050405020303" pitchFamily="18" charset="0"/>
+                <a:cs typeface="Arial" panose="020B0604020202020204" pitchFamily="34" charset="0"/>
+              </a:rPr>
+              <a:t> and </a:t>
+            </a:r>
+            <a:r>
+              <a:rPr lang="hu-HU" sz="4800" dirty="0" err="1">
+                <a:solidFill>
+                  <a:schemeClr val="bg1"/>
+                </a:solidFill>
+                <a:latin typeface="Georgia" panose="02040502050405020303" pitchFamily="18" charset="0"/>
+                <a:cs typeface="Arial" panose="020B0604020202020204" pitchFamily="34" charset="0"/>
+              </a:rPr>
+              <a:t>Reinforce</a:t>
+            </a:r>
+            <a:endParaRPr lang="hu-HU" sz="4800" dirty="0">
+              <a:solidFill>
+                <a:schemeClr val="bg1"/>
+              </a:solidFill>
+              <a:latin typeface="Georgia" panose="02040502050405020303" pitchFamily="18" charset="0"/>
+              <a:cs typeface="Calibri Light" panose="020F0302020204030204" pitchFamily="34" charset="0"/>
+            </a:endParaRPr>
+          </a:p>
+        </p:txBody>
+      </p:sp>
+      <p:sp>
+        <p:nvSpPr>
+          <p:cNvPr id="21" name="Szöveg helye 14">
+            <a:extLst>
+              <a:ext uri="{FF2B5EF4-FFF2-40B4-BE49-F238E27FC236}">
+                <a16:creationId xmlns:a16="http://schemas.microsoft.com/office/drawing/2014/main" id="{920C72BD-0D36-4AEA-8F08-8B14DD2DECFF}"/>
+              </a:ext>
+            </a:extLst>
+          </p:cNvPr>
+          <p:cNvSpPr txBox="1">
+            <a:spLocks/>
+          </p:cNvSpPr>
+          <p:nvPr/>
+        </p:nvSpPr>
+        <p:spPr>
+          <a:xfrm>
+            <a:off x="541246" y="1512886"/>
+            <a:ext cx="4441571" cy="5345114"/>
+          </a:xfrm>
+          <a:prstGeom prst="rect">
+            <a:avLst/>
+          </a:prstGeom>
+          <a:noFill/>
+        </p:spPr>
+        <p:txBody>
+          <a:bodyPr vert="horz" lIns="108000" tIns="72000" rIns="72000" bIns="36000" rtlCol="0">
+            <a:noAutofit/>
+          </a:bodyPr>
+          <a:lstStyle>
+            <a:lvl1pPr marL="0" indent="0" algn="ctr" defTabSz="914400" rtl="0" eaLnBrk="1" latinLnBrk="0" hangingPunct="1">
+              <a:lnSpc>
+                <a:spcPct val="90000"/>
+              </a:lnSpc>
+              <a:spcBef>
+                <a:spcPts val="1000"/>
+              </a:spcBef>
+              <a:buFont typeface="Arial" panose="020B0604020202020204" pitchFamily="34" charset="0"/>
+              <a:buNone/>
+              <a:defRPr sz="1600" kern="1200">
+                <a:solidFill>
+                  <a:schemeClr val="tx1">
+                    <a:lumMod val="75000"/>
+                    <a:lumOff val="25000"/>
+                  </a:schemeClr>
+                </a:solidFill>
+                <a:latin typeface="+mn-lt"/>
+                <a:ea typeface="+mn-ea"/>
+                <a:cs typeface="+mn-cs"/>
+              </a:defRPr>
+            </a:lvl1pPr>
+            <a:lvl2pPr marL="542925" indent="-276225" algn="l" defTabSz="914400" rtl="0" eaLnBrk="1" latinLnBrk="0" hangingPunct="1">
+              <a:lnSpc>
+                <a:spcPct val="90000"/>
+              </a:lnSpc>
+              <a:spcBef>
+                <a:spcPts val="500"/>
+              </a:spcBef>
+              <a:buFont typeface="Arial" panose="020B0604020202020204" pitchFamily="34" charset="0"/>
+              <a:buChar char="•"/>
+              <a:defRPr sz="1600" kern="1200">
+                <a:solidFill>
+                  <a:schemeClr val="tx1">
+                    <a:lumMod val="75000"/>
+                    <a:lumOff val="25000"/>
+                  </a:schemeClr>
+                </a:solidFill>
+                <a:latin typeface="+mn-lt"/>
+                <a:ea typeface="+mn-ea"/>
+                <a:cs typeface="+mn-cs"/>
+              </a:defRPr>
+            </a:lvl2pPr>
+            <a:lvl3pPr marL="809625" indent="-266700" algn="l" defTabSz="914400" rtl="0" eaLnBrk="1" latinLnBrk="0" hangingPunct="1">
+              <a:lnSpc>
+                <a:spcPct val="90000"/>
+              </a:lnSpc>
+              <a:spcBef>
+                <a:spcPts val="500"/>
+              </a:spcBef>
+              <a:buFont typeface="Arial" panose="020B0604020202020204" pitchFamily="34" charset="0"/>
+              <a:buChar char="•"/>
+              <a:defRPr sz="1400" kern="1200">
+                <a:solidFill>
+                  <a:schemeClr val="tx1">
+                    <a:lumMod val="75000"/>
+                    <a:lumOff val="25000"/>
+                  </a:schemeClr>
+                </a:solidFill>
+                <a:latin typeface="+mn-lt"/>
+                <a:ea typeface="+mn-ea"/>
+                <a:cs typeface="+mn-cs"/>
+              </a:defRPr>
+            </a:lvl3pPr>
+            <a:lvl4pPr marL="1076325" indent="-266700" algn="l" defTabSz="914400" rtl="0" eaLnBrk="1" latinLnBrk="0" hangingPunct="1">
+              <a:lnSpc>
+                <a:spcPct val="90000"/>
+              </a:lnSpc>
+              <a:spcBef>
+                <a:spcPts val="500"/>
+              </a:spcBef>
+              <a:buFont typeface="Arial" panose="020B0604020202020204" pitchFamily="34" charset="0"/>
+              <a:buChar char="•"/>
+              <a:defRPr sz="1400" kern="1200">
+                <a:solidFill>
+                  <a:schemeClr val="tx1">
+                    <a:lumMod val="75000"/>
+                    <a:lumOff val="25000"/>
+                  </a:schemeClr>
+                </a:solidFill>
+                <a:latin typeface="+mn-lt"/>
+                <a:ea typeface="+mn-ea"/>
+                <a:cs typeface="+mn-cs"/>
+              </a:defRPr>
+            </a:lvl4pPr>
+            <a:lvl5pPr marL="1343025" indent="-266700" algn="l" defTabSz="914400" rtl="0" eaLnBrk="1" latinLnBrk="0" hangingPunct="1">
+              <a:lnSpc>
+                <a:spcPct val="90000"/>
+              </a:lnSpc>
+              <a:spcBef>
+                <a:spcPts val="500"/>
+              </a:spcBef>
+              <a:buFont typeface="Arial" panose="020B0604020202020204" pitchFamily="34" charset="0"/>
+              <a:buChar char="•"/>
+              <a:defRPr sz="1400" kern="1200">
+                <a:solidFill>
+                  <a:schemeClr val="tx1">
+                    <a:lumMod val="75000"/>
+                    <a:lumOff val="25000"/>
+                  </a:schemeClr>
+                </a:solidFill>
+                <a:latin typeface="+mn-lt"/>
+                <a:ea typeface="+mn-ea"/>
+                <a:cs typeface="+mn-cs"/>
+              </a:defRPr>
+            </a:lvl5pPr>
+            <a:lvl6pPr marL="2514600" indent="-228600" algn="l" defTabSz="914400" rtl="0" eaLnBrk="1" latinLnBrk="0" hangingPunct="1">
+              <a:lnSpc>
+                <a:spcPct val="90000"/>
+              </a:lnSpc>
+              <a:spcBef>
+                <a:spcPts val="500"/>
+              </a:spcBef>
+              <a:buFont typeface="Arial" panose="020B0604020202020204" pitchFamily="34" charset="0"/>
+              <a:buChar char="•"/>
+              <a:defRPr sz="1800" kern="1200">
+                <a:solidFill>
+                  <a:schemeClr val="tx1"/>
+                </a:solidFill>
+                <a:latin typeface="+mn-lt"/>
+                <a:ea typeface="+mn-ea"/>
+                <a:cs typeface="+mn-cs"/>
+              </a:defRPr>
+            </a:lvl6pPr>
+            <a:lvl7pPr marL="2971800" indent="-228600" algn="l" defTabSz="914400" rtl="0" eaLnBrk="1" latinLnBrk="0" hangingPunct="1">
+              <a:lnSpc>
+                <a:spcPct val="90000"/>
+              </a:lnSpc>
+              <a:spcBef>
+                <a:spcPts val="500"/>
+              </a:spcBef>
+              <a:buFont typeface="Arial" panose="020B0604020202020204" pitchFamily="34" charset="0"/>
+              <a:buChar char="•"/>
+              <a:defRPr sz="1800" kern="1200">
+                <a:solidFill>
+                  <a:schemeClr val="tx1"/>
+                </a:solidFill>
+                <a:latin typeface="+mn-lt"/>
+                <a:ea typeface="+mn-ea"/>
+                <a:cs typeface="+mn-cs"/>
+              </a:defRPr>
+            </a:lvl7pPr>
+            <a:lvl8pPr marL="3429000" indent="-228600" algn="l" defTabSz="914400" rtl="0" eaLnBrk="1" latinLnBrk="0" hangingPunct="1">
+              <a:lnSpc>
+                <a:spcPct val="90000"/>
+              </a:lnSpc>
+              <a:spcBef>
+                <a:spcPts val="500"/>
+              </a:spcBef>
+              <a:buFont typeface="Arial" panose="020B0604020202020204" pitchFamily="34" charset="0"/>
+              <a:buChar char="•"/>
+              <a:defRPr sz="1800" kern="1200">
+                <a:solidFill>
+                  <a:schemeClr val="tx1"/>
+                </a:solidFill>
+                <a:latin typeface="+mn-lt"/>
+                <a:ea typeface="+mn-ea"/>
+                <a:cs typeface="+mn-cs"/>
+              </a:defRPr>
+            </a:lvl8pPr>
+            <a:lvl9pPr marL="3886200" indent="-228600" algn="l" defTabSz="914400" rtl="0" eaLnBrk="1" latinLnBrk="0" hangingPunct="1">
+              <a:lnSpc>
+                <a:spcPct val="90000"/>
+              </a:lnSpc>
+              <a:spcBef>
+                <a:spcPts val="500"/>
+              </a:spcBef>
+              <a:buFont typeface="Arial" panose="020B0604020202020204" pitchFamily="34" charset="0"/>
+              <a:buChar char="•"/>
+              <a:defRPr sz="1800" kern="1200">
+                <a:solidFill>
+                  <a:schemeClr val="tx1"/>
+                </a:solidFill>
+                <a:latin typeface="+mn-lt"/>
+                <a:ea typeface="+mn-ea"/>
+                <a:cs typeface="+mn-cs"/>
+              </a:defRPr>
+            </a:lvl9pPr>
+          </a:lstStyle>
+          <a:p>
+            <a:pPr algn="l">
+              <a:lnSpc>
+                <a:spcPct val="100000"/>
+              </a:lnSpc>
+            </a:pPr>
+            <a:r>
+              <a:rPr lang="hu-HU" sz="4800" dirty="0">
+                <a:solidFill>
+                  <a:schemeClr val="bg1"/>
+                </a:solidFill>
+                <a:latin typeface="Georgia" panose="02040502050405020303" pitchFamily="18" charset="0"/>
+                <a:cs typeface="Arial" panose="020B0604020202020204" pitchFamily="34" charset="0"/>
+              </a:rPr>
+              <a:t>Jelenleg problémát jelent</a:t>
+            </a:r>
+            <a:br>
+              <a:rPr lang="hu-HU" sz="4800" dirty="0">
+                <a:solidFill>
+                  <a:schemeClr val="bg1"/>
+                </a:solidFill>
+                <a:latin typeface="Georgia" panose="02040502050405020303" pitchFamily="18" charset="0"/>
+                <a:cs typeface="Arial" panose="020B0604020202020204" pitchFamily="34" charset="0"/>
+              </a:rPr>
+            </a:br>
+            <a:endParaRPr lang="hu-HU" sz="4800" dirty="0">
+              <a:solidFill>
+                <a:schemeClr val="bg1"/>
+              </a:solidFill>
+              <a:latin typeface="Georgia" panose="02040502050405020303" pitchFamily="18" charset="0"/>
+              <a:cs typeface="Calibri Light" panose="020F0302020204030204" pitchFamily="34" charset="0"/>
+            </a:endParaRPr>
+          </a:p>
+          <a:p>
+            <a:pPr algn="l">
+              <a:lnSpc>
+                <a:spcPct val="100000"/>
+              </a:lnSpc>
+            </a:pPr>
+            <a:r>
+              <a:rPr lang="hu-HU" dirty="0">
+                <a:solidFill>
+                  <a:schemeClr val="bg1"/>
+                </a:solidFill>
+                <a:latin typeface="Arial" panose="020B0604020202020204" pitchFamily="34" charset="0"/>
+                <a:cs typeface="Arial" panose="020B0604020202020204" pitchFamily="34" charset="0"/>
+              </a:rPr>
+              <a:t>Számomra még a mostani szimulációs környezetben is, hogy mi alapján állítsam be a függvényeket, milyen kapcsolat legyen ezek között. Ezek a kapcsolatok jelenleg eléggé determinisztikusak így képes rajta bármit megtanulni a háló, de vajon hasonlítanak</a:t>
+            </a:r>
+            <a:br>
+              <a:rPr lang="hu-HU" dirty="0">
+                <a:solidFill>
+                  <a:schemeClr val="bg1"/>
+                </a:solidFill>
+                <a:latin typeface="Arial" panose="020B0604020202020204" pitchFamily="34" charset="0"/>
+                <a:cs typeface="Arial" panose="020B0604020202020204" pitchFamily="34" charset="0"/>
+              </a:rPr>
+            </a:br>
+            <a:r>
+              <a:rPr lang="hu-HU" dirty="0">
+                <a:solidFill>
+                  <a:schemeClr val="bg1"/>
+                </a:solidFill>
+                <a:latin typeface="Arial" panose="020B0604020202020204" pitchFamily="34" charset="0"/>
+                <a:cs typeface="Arial" panose="020B0604020202020204" pitchFamily="34" charset="0"/>
+              </a:rPr>
+              <a:t>ezek a valós adatokhoz?</a:t>
+            </a:r>
+          </a:p>
+        </p:txBody>
+      </p:sp>
+      <p:sp>
+        <p:nvSpPr>
+          <p:cNvPr id="7" name="Szöveg helye 14">
+            <a:extLst>
+              <a:ext uri="{FF2B5EF4-FFF2-40B4-BE49-F238E27FC236}">
+                <a16:creationId xmlns:a16="http://schemas.microsoft.com/office/drawing/2014/main" id="{E7A037A9-7F8E-4580-9C7D-56A0450DBB67}"/>
+              </a:ext>
+            </a:extLst>
+          </p:cNvPr>
+          <p:cNvSpPr txBox="1">
+            <a:spLocks/>
+          </p:cNvSpPr>
+          <p:nvPr/>
+        </p:nvSpPr>
+        <p:spPr>
+          <a:xfrm>
+            <a:off x="5259019" y="1512886"/>
+            <a:ext cx="4441571" cy="5345114"/>
+          </a:xfrm>
+          <a:prstGeom prst="rect">
+            <a:avLst/>
+          </a:prstGeom>
+          <a:noFill/>
+        </p:spPr>
+        <p:txBody>
+          <a:bodyPr vert="horz" lIns="108000" tIns="72000" rIns="72000" bIns="36000" rtlCol="0">
+            <a:noAutofit/>
+          </a:bodyPr>
+          <a:lstStyle>
+            <a:lvl1pPr marL="0" indent="0" algn="ctr" defTabSz="914400" rtl="0" eaLnBrk="1" latinLnBrk="0" hangingPunct="1">
+              <a:lnSpc>
+                <a:spcPct val="90000"/>
+              </a:lnSpc>
+              <a:spcBef>
+                <a:spcPts val="1000"/>
+              </a:spcBef>
+              <a:buFont typeface="Arial" panose="020B0604020202020204" pitchFamily="34" charset="0"/>
+              <a:buNone/>
+              <a:defRPr sz="1600" kern="1200">
+                <a:solidFill>
+                  <a:schemeClr val="tx1">
+                    <a:lumMod val="75000"/>
+                    <a:lumOff val="25000"/>
+                  </a:schemeClr>
+                </a:solidFill>
+                <a:latin typeface="+mn-lt"/>
+                <a:ea typeface="+mn-ea"/>
+                <a:cs typeface="+mn-cs"/>
+              </a:defRPr>
+            </a:lvl1pPr>
+            <a:lvl2pPr marL="542925" indent="-276225" algn="l" defTabSz="914400" rtl="0" eaLnBrk="1" latinLnBrk="0" hangingPunct="1">
+              <a:lnSpc>
+                <a:spcPct val="90000"/>
+              </a:lnSpc>
+              <a:spcBef>
+                <a:spcPts val="500"/>
+              </a:spcBef>
+              <a:buFont typeface="Arial" panose="020B0604020202020204" pitchFamily="34" charset="0"/>
+              <a:buChar char="•"/>
+              <a:defRPr sz="1600" kern="1200">
+                <a:solidFill>
+                  <a:schemeClr val="tx1">
+                    <a:lumMod val="75000"/>
+                    <a:lumOff val="25000"/>
+                  </a:schemeClr>
+                </a:solidFill>
+                <a:latin typeface="+mn-lt"/>
+                <a:ea typeface="+mn-ea"/>
+                <a:cs typeface="+mn-cs"/>
+              </a:defRPr>
+            </a:lvl2pPr>
+            <a:lvl3pPr marL="809625" indent="-266700" algn="l" defTabSz="914400" rtl="0" eaLnBrk="1" latinLnBrk="0" hangingPunct="1">
+              <a:lnSpc>
+                <a:spcPct val="90000"/>
+              </a:lnSpc>
+              <a:spcBef>
+                <a:spcPts val="500"/>
+              </a:spcBef>
+              <a:buFont typeface="Arial" panose="020B0604020202020204" pitchFamily="34" charset="0"/>
+              <a:buChar char="•"/>
+              <a:defRPr sz="1400" kern="1200">
+                <a:solidFill>
+                  <a:schemeClr val="tx1">
+                    <a:lumMod val="75000"/>
+                    <a:lumOff val="25000"/>
+                  </a:schemeClr>
+                </a:solidFill>
+                <a:latin typeface="+mn-lt"/>
+                <a:ea typeface="+mn-ea"/>
+                <a:cs typeface="+mn-cs"/>
+              </a:defRPr>
+            </a:lvl3pPr>
+            <a:lvl4pPr marL="1076325" indent="-266700" algn="l" defTabSz="914400" rtl="0" eaLnBrk="1" latinLnBrk="0" hangingPunct="1">
+              <a:lnSpc>
+                <a:spcPct val="90000"/>
+              </a:lnSpc>
+              <a:spcBef>
+                <a:spcPts val="500"/>
+              </a:spcBef>
+              <a:buFont typeface="Arial" panose="020B0604020202020204" pitchFamily="34" charset="0"/>
+              <a:buChar char="•"/>
+              <a:defRPr sz="1400" kern="1200">
+                <a:solidFill>
+                  <a:schemeClr val="tx1">
+                    <a:lumMod val="75000"/>
+                    <a:lumOff val="25000"/>
+                  </a:schemeClr>
+                </a:solidFill>
+                <a:latin typeface="+mn-lt"/>
+                <a:ea typeface="+mn-ea"/>
+                <a:cs typeface="+mn-cs"/>
+              </a:defRPr>
+            </a:lvl4pPr>
+            <a:lvl5pPr marL="1343025" indent="-266700" algn="l" defTabSz="914400" rtl="0" eaLnBrk="1" latinLnBrk="0" hangingPunct="1">
+              <a:lnSpc>
+                <a:spcPct val="90000"/>
+              </a:lnSpc>
+              <a:spcBef>
+                <a:spcPts val="500"/>
+              </a:spcBef>
+              <a:buFont typeface="Arial" panose="020B0604020202020204" pitchFamily="34" charset="0"/>
+              <a:buChar char="•"/>
+              <a:defRPr sz="1400" kern="1200">
+                <a:solidFill>
+                  <a:schemeClr val="tx1">
+                    <a:lumMod val="75000"/>
+                    <a:lumOff val="25000"/>
+                  </a:schemeClr>
+                </a:solidFill>
+                <a:latin typeface="+mn-lt"/>
+                <a:ea typeface="+mn-ea"/>
+                <a:cs typeface="+mn-cs"/>
+              </a:defRPr>
+            </a:lvl5pPr>
+            <a:lvl6pPr marL="2514600" indent="-228600" algn="l" defTabSz="914400" rtl="0" eaLnBrk="1" latinLnBrk="0" hangingPunct="1">
+              <a:lnSpc>
+                <a:spcPct val="90000"/>
+              </a:lnSpc>
+              <a:spcBef>
+                <a:spcPts val="500"/>
+              </a:spcBef>
+              <a:buFont typeface="Arial" panose="020B0604020202020204" pitchFamily="34" charset="0"/>
+              <a:buChar char="•"/>
+              <a:defRPr sz="1800" kern="1200">
+                <a:solidFill>
+                  <a:schemeClr val="tx1"/>
+                </a:solidFill>
+                <a:latin typeface="+mn-lt"/>
+                <a:ea typeface="+mn-ea"/>
+                <a:cs typeface="+mn-cs"/>
+              </a:defRPr>
+            </a:lvl6pPr>
+            <a:lvl7pPr marL="2971800" indent="-228600" algn="l" defTabSz="914400" rtl="0" eaLnBrk="1" latinLnBrk="0" hangingPunct="1">
+              <a:lnSpc>
+                <a:spcPct val="90000"/>
+              </a:lnSpc>
+              <a:spcBef>
+                <a:spcPts val="500"/>
+              </a:spcBef>
+              <a:buFont typeface="Arial" panose="020B0604020202020204" pitchFamily="34" charset="0"/>
+              <a:buChar char="•"/>
+              <a:defRPr sz="1800" kern="1200">
+                <a:solidFill>
+                  <a:schemeClr val="tx1"/>
+                </a:solidFill>
+                <a:latin typeface="+mn-lt"/>
+                <a:ea typeface="+mn-ea"/>
+                <a:cs typeface="+mn-cs"/>
+              </a:defRPr>
+            </a:lvl7pPr>
+            <a:lvl8pPr marL="3429000" indent="-228600" algn="l" defTabSz="914400" rtl="0" eaLnBrk="1" latinLnBrk="0" hangingPunct="1">
+              <a:lnSpc>
+                <a:spcPct val="90000"/>
+              </a:lnSpc>
+              <a:spcBef>
+                <a:spcPts val="500"/>
+              </a:spcBef>
+              <a:buFont typeface="Arial" panose="020B0604020202020204" pitchFamily="34" charset="0"/>
+              <a:buChar char="•"/>
+              <a:defRPr sz="1800" kern="1200">
+                <a:solidFill>
+                  <a:schemeClr val="tx1"/>
+                </a:solidFill>
+                <a:latin typeface="+mn-lt"/>
+                <a:ea typeface="+mn-ea"/>
+                <a:cs typeface="+mn-cs"/>
+              </a:defRPr>
+            </a:lvl8pPr>
+            <a:lvl9pPr marL="3886200" indent="-228600" algn="l" defTabSz="914400" rtl="0" eaLnBrk="1" latinLnBrk="0" hangingPunct="1">
+              <a:lnSpc>
+                <a:spcPct val="90000"/>
+              </a:lnSpc>
+              <a:spcBef>
+                <a:spcPts val="500"/>
+              </a:spcBef>
+              <a:buFont typeface="Arial" panose="020B0604020202020204" pitchFamily="34" charset="0"/>
+              <a:buChar char="•"/>
+              <a:defRPr sz="1800" kern="1200">
+                <a:solidFill>
+                  <a:schemeClr val="tx1"/>
+                </a:solidFill>
+                <a:latin typeface="+mn-lt"/>
+                <a:ea typeface="+mn-ea"/>
+                <a:cs typeface="+mn-cs"/>
+              </a:defRPr>
+            </a:lvl9pPr>
+          </a:lstStyle>
+          <a:p>
+            <a:pPr algn="l">
+              <a:lnSpc>
+                <a:spcPct val="100000"/>
+              </a:lnSpc>
+            </a:pPr>
+            <a:r>
+              <a:rPr lang="hu-HU" sz="4800" dirty="0">
+                <a:solidFill>
+                  <a:schemeClr val="bg1"/>
+                </a:solidFill>
+                <a:latin typeface="Georgia" panose="02040502050405020303" pitchFamily="18" charset="0"/>
+                <a:cs typeface="Arial" panose="020B0604020202020204" pitchFamily="34" charset="0"/>
+              </a:rPr>
+              <a:t>Hogyan állítsam be ezeket?</a:t>
+            </a:r>
+            <a:br>
+              <a:rPr lang="hu-HU" sz="4800" dirty="0">
+                <a:solidFill>
+                  <a:schemeClr val="bg1"/>
+                </a:solidFill>
+                <a:latin typeface="Georgia" panose="02040502050405020303" pitchFamily="18" charset="0"/>
+                <a:cs typeface="Arial" panose="020B0604020202020204" pitchFamily="34" charset="0"/>
+              </a:rPr>
+            </a:br>
+            <a:endParaRPr lang="hu-HU" sz="4800" dirty="0">
+              <a:solidFill>
+                <a:schemeClr val="bg1"/>
+              </a:solidFill>
+              <a:latin typeface="Georgia" panose="02040502050405020303" pitchFamily="18" charset="0"/>
+              <a:cs typeface="Calibri Light" panose="020F0302020204030204" pitchFamily="34" charset="0"/>
+            </a:endParaRPr>
+          </a:p>
+          <a:p>
+            <a:pPr algn="l">
+              <a:lnSpc>
+                <a:spcPct val="100000"/>
+              </a:lnSpc>
+            </a:pPr>
+            <a:r>
+              <a:rPr lang="hu-HU" dirty="0">
+                <a:solidFill>
+                  <a:schemeClr val="bg1"/>
+                </a:solidFill>
+                <a:latin typeface="Arial" panose="020B0604020202020204" pitchFamily="34" charset="0"/>
+                <a:cs typeface="Arial" panose="020B0604020202020204" pitchFamily="34" charset="0"/>
+              </a:rPr>
+              <a:t>Ezért abban reménykedek, hogy a </a:t>
+            </a:r>
+            <a:r>
+              <a:rPr lang="hu-HU" dirty="0" err="1">
+                <a:solidFill>
+                  <a:schemeClr val="bg1"/>
+                </a:solidFill>
+                <a:latin typeface="Arial" panose="020B0604020202020204" pitchFamily="34" charset="0"/>
+                <a:cs typeface="Arial" panose="020B0604020202020204" pitchFamily="34" charset="0"/>
+              </a:rPr>
+              <a:t>CloudSImben</a:t>
+            </a:r>
+            <a:r>
+              <a:rPr lang="hu-HU" dirty="0">
+                <a:solidFill>
+                  <a:schemeClr val="bg1"/>
+                </a:solidFill>
+                <a:latin typeface="Arial" panose="020B0604020202020204" pitchFamily="34" charset="0"/>
+                <a:cs typeface="Arial" panose="020B0604020202020204" pitchFamily="34" charset="0"/>
+              </a:rPr>
+              <a:t> valahogy azért csak </a:t>
+            </a:r>
+            <a:r>
+              <a:rPr lang="hu-HU" dirty="0" err="1">
+                <a:solidFill>
+                  <a:schemeClr val="bg1"/>
+                </a:solidFill>
+                <a:latin typeface="Arial" panose="020B0604020202020204" pitchFamily="34" charset="0"/>
+                <a:cs typeface="Arial" panose="020B0604020202020204" pitchFamily="34" charset="0"/>
+              </a:rPr>
+              <a:t>csak</a:t>
+            </a:r>
+            <a:r>
+              <a:rPr lang="hu-HU" dirty="0">
+                <a:solidFill>
+                  <a:schemeClr val="bg1"/>
+                </a:solidFill>
+                <a:latin typeface="Arial" panose="020B0604020202020204" pitchFamily="34" charset="0"/>
+                <a:cs typeface="Arial" panose="020B0604020202020204" pitchFamily="34" charset="0"/>
+              </a:rPr>
+              <a:t> reálisabb beállításokat tudunk kieszközölni amelyek közelebb állnak majd a valósághoz</a:t>
+            </a:r>
+          </a:p>
+          <a:p>
+            <a:pPr algn="l">
+              <a:lnSpc>
+                <a:spcPct val="100000"/>
+              </a:lnSpc>
+            </a:pPr>
+            <a:endParaRPr lang="hu-HU" dirty="0">
+              <a:solidFill>
+                <a:schemeClr val="bg1"/>
+              </a:solidFill>
+              <a:latin typeface="Arial" panose="020B0604020202020204" pitchFamily="34" charset="0"/>
+              <a:cs typeface="Arial" panose="020B0604020202020204" pitchFamily="34" charset="0"/>
+            </a:endParaRPr>
+          </a:p>
+          <a:p>
+            <a:pPr algn="l">
+              <a:lnSpc>
+                <a:spcPct val="100000"/>
+              </a:lnSpc>
+            </a:pPr>
+            <a:r>
+              <a:rPr lang="hu-HU" dirty="0">
+                <a:solidFill>
+                  <a:schemeClr val="bg1"/>
+                </a:solidFill>
+                <a:latin typeface="Arial" panose="020B0604020202020204" pitchFamily="34" charset="0"/>
+                <a:cs typeface="Arial" panose="020B0604020202020204" pitchFamily="34" charset="0"/>
+              </a:rPr>
+              <a:t>De gyakorlatilag ezt a problémát az se oldja meg ha áttérek RL-be, akkor is ott a kérdés, hogyan állítjuk elő a belső függőségeket?</a:t>
+            </a:r>
+          </a:p>
+        </p:txBody>
+      </p:sp>
+    </p:spTree>
+    <p:extLst>
+      <p:ext uri="{BB962C8B-B14F-4D97-AF65-F5344CB8AC3E}">
+        <p14:creationId xmlns:p14="http://schemas.microsoft.com/office/powerpoint/2010/main" val="3503665925"/>
+      </p:ext>
+    </p:extLst>
+  </p:cSld>
+  <p:clrMapOvr>
+    <a:masterClrMapping/>
+  </p:clrMapOvr>
+  <mc:AlternateContent xmlns:mc="http://schemas.openxmlformats.org/markup-compatibility/2006">
+    <mc:Choice xmlns:p14="http://schemas.microsoft.com/office/powerpoint/2010/main" Requires="p14">
+      <p:transition spd="med" p14:dur="700">
+        <p:fade/>
+      </p:transition>
+    </mc:Choice>
+    <mc:Fallback>
+      <p:transition spd="med">
+        <p:fade/>
+      </p:transition>
+    </mc:Fallback>
+  </mc:AlternateContent>
+  <p:timing>
+    <p:tnLst>
+      <p:par>
+        <p:cTn id="1" dur="indefinite" restart="never" nodeType="tmRoot">
+          <p:childTnLst>
+            <p:seq concurrent="1" nextAc="seek">
+              <p:cTn id="2" dur="indefinite" nodeType="mainSeq">
+                <p:childTnLst>
+                  <p:par>
+                    <p:cTn id="3" fill="hold">
+                      <p:stCondLst>
+                        <p:cond delay="indefinite"/>
+                      </p:stCondLst>
+                      <p:childTnLst>
+                        <p:par>
+                          <p:cTn id="4" fill="hold">
+                            <p:stCondLst>
+                              <p:cond delay="0"/>
+                            </p:stCondLst>
+                            <p:childTnLst>
+                              <p:par>
+                                <p:cTn id="5" presetID="10" presetClass="entr" presetSubtype="0" fill="hold" grpId="0" nodeType="clickEffect">
+                                  <p:stCondLst>
+                                    <p:cond delay="0"/>
+                                  </p:stCondLst>
+                                  <p:childTnLst>
+                                    <p:set>
+                                      <p:cBhvr>
+                                        <p:cTn id="6" dur="1" fill="hold">
+                                          <p:stCondLst>
+                                            <p:cond delay="0"/>
+                                          </p:stCondLst>
+                                        </p:cTn>
+                                        <p:tgtEl>
+                                          <p:spTgt spid="21"/>
+                                        </p:tgtEl>
+                                        <p:attrNameLst>
+                                          <p:attrName>style.visibility</p:attrName>
+                                        </p:attrNameLst>
+                                      </p:cBhvr>
+                                      <p:to>
+                                        <p:strVal val="visible"/>
+                                      </p:to>
+                                    </p:set>
+                                    <p:animEffect transition="in" filter="fade">
+                                      <p:cBhvr>
+                                        <p:cTn id="7" dur="500"/>
+                                        <p:tgtEl>
+                                          <p:spTgt spid="21"/>
+                                        </p:tgtEl>
+                                      </p:cBhvr>
+                                    </p:animEffect>
+                                  </p:childTnLst>
+                                </p:cTn>
+                              </p:par>
+                            </p:childTnLst>
+                          </p:cTn>
+                        </p:par>
+                      </p:childTnLst>
+                    </p:cTn>
+                  </p:par>
+                  <p:par>
+                    <p:cTn id="8" fill="hold">
+                      <p:stCondLst>
+                        <p:cond delay="indefinite"/>
+                      </p:stCondLst>
+                      <p:childTnLst>
+                        <p:par>
+                          <p:cTn id="9" fill="hold">
+                            <p:stCondLst>
+                              <p:cond delay="0"/>
+                            </p:stCondLst>
+                            <p:childTnLst>
+                              <p:par>
+                                <p:cTn id="10" presetID="10" presetClass="entr" presetSubtype="0" fill="hold" grpId="0" nodeType="clickEffect">
+                                  <p:stCondLst>
+                                    <p:cond delay="0"/>
+                                  </p:stCondLst>
+                                  <p:childTnLst>
+                                    <p:set>
+                                      <p:cBhvr>
+                                        <p:cTn id="11" dur="1" fill="hold">
+                                          <p:stCondLst>
+                                            <p:cond delay="0"/>
+                                          </p:stCondLst>
+                                        </p:cTn>
+                                        <p:tgtEl>
+                                          <p:spTgt spid="7"/>
+                                        </p:tgtEl>
+                                        <p:attrNameLst>
+                                          <p:attrName>style.visibility</p:attrName>
+                                        </p:attrNameLst>
+                                      </p:cBhvr>
+                                      <p:to>
+                                        <p:strVal val="visible"/>
+                                      </p:to>
+                                    </p:set>
+                                    <p:animEffect transition="in" filter="fade">
+                                      <p:cBhvr>
+                                        <p:cTn id="12" dur="500"/>
+                                        <p:tgtEl>
+                                          <p:spTgt spid="7"/>
+                                        </p:tgtEl>
+                                      </p:cBhvr>
+                                    </p:animEffect>
+                                  </p:childTnLst>
+                                </p:cTn>
+                              </p:par>
+                            </p:childTnLst>
+                          </p:cTn>
+                        </p:par>
+                      </p:childTnLst>
+                    </p:cTn>
+                  </p:par>
+                </p:childTnLst>
+              </p:cTn>
+              <p:prevCondLst>
+                <p:cond evt="onPrev" delay="0">
+                  <p:tgtEl>
+                    <p:sldTgt/>
+                  </p:tgtEl>
+                </p:cond>
+              </p:prevCondLst>
+              <p:nextCondLst>
+                <p:cond evt="onNext" delay="0">
+                  <p:tgtEl>
+                    <p:sldTgt/>
+                  </p:tgtEl>
+                </p:cond>
+              </p:nextCondLst>
+            </p:seq>
+          </p:childTnLst>
+        </p:cTn>
+      </p:par>
+    </p:tnLst>
+    <p:bldLst>
+      <p:bldP spid="21" grpId="0"/>
+      <p:bldP spid="7" grpId="0"/>
+    </p:bldLst>
+  </p:timing>
+</p:sld>
+</file>
+
+<file path=ppt/slides/slide14.xml><?xml version="1.0" encoding="utf-8"?>
+<p:sld xmlns:a="http://schemas.openxmlformats.org/drawingml/2006/main" xmlns:r="http://schemas.openxmlformats.org/officeDocument/2006/relationships" xmlns:p="http://schemas.openxmlformats.org/presentationml/2006/main">
+  <p:cSld>
+    <p:spTree>
+      <p:nvGrpSpPr>
+        <p:cNvPr id="1" name=""/>
+        <p:cNvGrpSpPr/>
+        <p:nvPr/>
+      </p:nvGrpSpPr>
+      <p:grpSpPr>
+        <a:xfrm>
+          <a:off x="0" y="0"/>
+          <a:ext cx="0" cy="0"/>
+          <a:chOff x="0" y="0"/>
+          <a:chExt cx="0" cy="0"/>
+        </a:xfrm>
+      </p:grpSpPr>
+      <p:pic>
+        <p:nvPicPr>
+          <p:cNvPr id="4" name="Kép 3" descr="A képen háló látható&#10;&#10;Automatikusan generált leírás">
+            <a:extLst>
+              <a:ext uri="{FF2B5EF4-FFF2-40B4-BE49-F238E27FC236}">
+                <a16:creationId xmlns:a16="http://schemas.microsoft.com/office/drawing/2014/main" id="{B7B7332F-71BE-4DF1-8FF7-6FEAA97B25FB}"/>
+              </a:ext>
+            </a:extLst>
+          </p:cNvPr>
+          <p:cNvPicPr>
+            <a:picLocks noChangeAspect="1"/>
+          </p:cNvPicPr>
+          <p:nvPr/>
+        </p:nvPicPr>
+        <p:blipFill>
+          <a:blip r:embed="rId3">
+            <a:extLst>
+              <a:ext uri="{BEBA8EAE-BF5A-486C-A8C5-ECC9F3942E4B}">
+                <a14:imgProps xmlns:a14="http://schemas.microsoft.com/office/drawing/2010/main">
+                  <a14:imgLayer r:embed="rId4">
+                    <a14:imgEffect>
+                      <a14:sharpenSoften amount="-100000"/>
+                    </a14:imgEffect>
+                  </a14:imgLayer>
+                </a14:imgProps>
+              </a:ext>
+              <a:ext uri="{28A0092B-C50C-407E-A947-70E740481C1C}">
+                <a14:useLocalDpi xmlns:a14="http://schemas.microsoft.com/office/drawing/2010/main" val="0"/>
+              </a:ext>
+            </a:extLst>
+          </a:blip>
+          <a:stretch>
+            <a:fillRect/>
+          </a:stretch>
+        </p:blipFill>
+        <p:spPr>
+          <a:xfrm>
+            <a:off x="0" y="-3182798"/>
+            <a:ext cx="13475043" cy="10040798"/>
+          </a:xfrm>
+          <a:prstGeom prst="rect">
+            <a:avLst/>
+          </a:prstGeom>
+        </p:spPr>
+      </p:pic>
+      <p:sp>
+        <p:nvSpPr>
+          <p:cNvPr id="16" name="Szöveg helye 14">
+            <a:extLst>
+              <a:ext uri="{FF2B5EF4-FFF2-40B4-BE49-F238E27FC236}">
+                <a16:creationId xmlns:a16="http://schemas.microsoft.com/office/drawing/2014/main" id="{513EA38E-469D-46FF-AE7E-2E7EDFA603D7}"/>
+              </a:ext>
+            </a:extLst>
+          </p:cNvPr>
+          <p:cNvSpPr txBox="1">
+            <a:spLocks/>
+          </p:cNvSpPr>
+          <p:nvPr/>
+        </p:nvSpPr>
+        <p:spPr>
+          <a:xfrm>
+            <a:off x="541246" y="386452"/>
+            <a:ext cx="11427841" cy="942559"/>
+          </a:xfrm>
+          <a:prstGeom prst="rect">
+            <a:avLst/>
+          </a:prstGeom>
+          <a:noFill/>
+        </p:spPr>
+        <p:txBody>
+          <a:bodyPr vert="horz" lIns="108000" tIns="72000" rIns="72000" bIns="36000" rtlCol="0">
+            <a:noAutofit/>
+          </a:bodyPr>
+          <a:lstStyle>
+            <a:lvl1pPr marL="0" indent="0" algn="ctr" defTabSz="914400" rtl="0" eaLnBrk="1" latinLnBrk="0" hangingPunct="1">
+              <a:lnSpc>
+                <a:spcPct val="90000"/>
+              </a:lnSpc>
+              <a:spcBef>
+                <a:spcPts val="1000"/>
+              </a:spcBef>
+              <a:buFont typeface="Arial" panose="020B0604020202020204" pitchFamily="34" charset="0"/>
+              <a:buNone/>
+              <a:defRPr sz="1600" kern="1200">
+                <a:solidFill>
+                  <a:schemeClr val="tx1">
+                    <a:lumMod val="75000"/>
+                    <a:lumOff val="25000"/>
+                  </a:schemeClr>
+                </a:solidFill>
+                <a:latin typeface="+mn-lt"/>
+                <a:ea typeface="+mn-ea"/>
+                <a:cs typeface="+mn-cs"/>
+              </a:defRPr>
+            </a:lvl1pPr>
+            <a:lvl2pPr marL="542925" indent="-276225" algn="l" defTabSz="914400" rtl="0" eaLnBrk="1" latinLnBrk="0" hangingPunct="1">
+              <a:lnSpc>
+                <a:spcPct val="90000"/>
+              </a:lnSpc>
+              <a:spcBef>
+                <a:spcPts val="500"/>
+              </a:spcBef>
+              <a:buFont typeface="Arial" panose="020B0604020202020204" pitchFamily="34" charset="0"/>
+              <a:buChar char="•"/>
+              <a:defRPr sz="1600" kern="1200">
+                <a:solidFill>
+                  <a:schemeClr val="tx1">
+                    <a:lumMod val="75000"/>
+                    <a:lumOff val="25000"/>
+                  </a:schemeClr>
+                </a:solidFill>
+                <a:latin typeface="+mn-lt"/>
+                <a:ea typeface="+mn-ea"/>
+                <a:cs typeface="+mn-cs"/>
+              </a:defRPr>
+            </a:lvl2pPr>
+            <a:lvl3pPr marL="809625" indent="-266700" algn="l" defTabSz="914400" rtl="0" eaLnBrk="1" latinLnBrk="0" hangingPunct="1">
+              <a:lnSpc>
+                <a:spcPct val="90000"/>
+              </a:lnSpc>
+              <a:spcBef>
+                <a:spcPts val="500"/>
+              </a:spcBef>
+              <a:buFont typeface="Arial" panose="020B0604020202020204" pitchFamily="34" charset="0"/>
+              <a:buChar char="•"/>
+              <a:defRPr sz="1400" kern="1200">
+                <a:solidFill>
+                  <a:schemeClr val="tx1">
+                    <a:lumMod val="75000"/>
+                    <a:lumOff val="25000"/>
+                  </a:schemeClr>
+                </a:solidFill>
+                <a:latin typeface="+mn-lt"/>
+                <a:ea typeface="+mn-ea"/>
+                <a:cs typeface="+mn-cs"/>
+              </a:defRPr>
+            </a:lvl3pPr>
+            <a:lvl4pPr marL="1076325" indent="-266700" algn="l" defTabSz="914400" rtl="0" eaLnBrk="1" latinLnBrk="0" hangingPunct="1">
+              <a:lnSpc>
+                <a:spcPct val="90000"/>
+              </a:lnSpc>
+              <a:spcBef>
+                <a:spcPts val="500"/>
+              </a:spcBef>
+              <a:buFont typeface="Arial" panose="020B0604020202020204" pitchFamily="34" charset="0"/>
+              <a:buChar char="•"/>
+              <a:defRPr sz="1400" kern="1200">
+                <a:solidFill>
+                  <a:schemeClr val="tx1">
+                    <a:lumMod val="75000"/>
+                    <a:lumOff val="25000"/>
+                  </a:schemeClr>
+                </a:solidFill>
+                <a:latin typeface="+mn-lt"/>
+                <a:ea typeface="+mn-ea"/>
+                <a:cs typeface="+mn-cs"/>
+              </a:defRPr>
+            </a:lvl4pPr>
+            <a:lvl5pPr marL="1343025" indent="-266700" algn="l" defTabSz="914400" rtl="0" eaLnBrk="1" latinLnBrk="0" hangingPunct="1">
+              <a:lnSpc>
+                <a:spcPct val="90000"/>
+              </a:lnSpc>
+              <a:spcBef>
+                <a:spcPts val="500"/>
+              </a:spcBef>
+              <a:buFont typeface="Arial" panose="020B0604020202020204" pitchFamily="34" charset="0"/>
+              <a:buChar char="•"/>
+              <a:defRPr sz="1400" kern="1200">
+                <a:solidFill>
+                  <a:schemeClr val="tx1">
+                    <a:lumMod val="75000"/>
+                    <a:lumOff val="25000"/>
+                  </a:schemeClr>
+                </a:solidFill>
+                <a:latin typeface="+mn-lt"/>
+                <a:ea typeface="+mn-ea"/>
+                <a:cs typeface="+mn-cs"/>
+              </a:defRPr>
+            </a:lvl5pPr>
+            <a:lvl6pPr marL="2514600" indent="-228600" algn="l" defTabSz="914400" rtl="0" eaLnBrk="1" latinLnBrk="0" hangingPunct="1">
+              <a:lnSpc>
+                <a:spcPct val="90000"/>
+              </a:lnSpc>
+              <a:spcBef>
+                <a:spcPts val="500"/>
+              </a:spcBef>
+              <a:buFont typeface="Arial" panose="020B0604020202020204" pitchFamily="34" charset="0"/>
+              <a:buChar char="•"/>
+              <a:defRPr sz="1800" kern="1200">
+                <a:solidFill>
+                  <a:schemeClr val="tx1"/>
+                </a:solidFill>
+                <a:latin typeface="+mn-lt"/>
+                <a:ea typeface="+mn-ea"/>
+                <a:cs typeface="+mn-cs"/>
+              </a:defRPr>
+            </a:lvl6pPr>
+            <a:lvl7pPr marL="2971800" indent="-228600" algn="l" defTabSz="914400" rtl="0" eaLnBrk="1" latinLnBrk="0" hangingPunct="1">
+              <a:lnSpc>
+                <a:spcPct val="90000"/>
+              </a:lnSpc>
+              <a:spcBef>
+                <a:spcPts val="500"/>
+              </a:spcBef>
+              <a:buFont typeface="Arial" panose="020B0604020202020204" pitchFamily="34" charset="0"/>
+              <a:buChar char="•"/>
+              <a:defRPr sz="1800" kern="1200">
+                <a:solidFill>
+                  <a:schemeClr val="tx1"/>
+                </a:solidFill>
+                <a:latin typeface="+mn-lt"/>
+                <a:ea typeface="+mn-ea"/>
+                <a:cs typeface="+mn-cs"/>
+              </a:defRPr>
+            </a:lvl7pPr>
+            <a:lvl8pPr marL="3429000" indent="-228600" algn="l" defTabSz="914400" rtl="0" eaLnBrk="1" latinLnBrk="0" hangingPunct="1">
+              <a:lnSpc>
+                <a:spcPct val="90000"/>
+              </a:lnSpc>
+              <a:spcBef>
+                <a:spcPts val="500"/>
+              </a:spcBef>
+              <a:buFont typeface="Arial" panose="020B0604020202020204" pitchFamily="34" charset="0"/>
+              <a:buChar char="•"/>
+              <a:defRPr sz="1800" kern="1200">
+                <a:solidFill>
+                  <a:schemeClr val="tx1"/>
+                </a:solidFill>
+                <a:latin typeface="+mn-lt"/>
+                <a:ea typeface="+mn-ea"/>
+                <a:cs typeface="+mn-cs"/>
+              </a:defRPr>
+            </a:lvl8pPr>
+            <a:lvl9pPr marL="3886200" indent="-228600" algn="l" defTabSz="914400" rtl="0" eaLnBrk="1" latinLnBrk="0" hangingPunct="1">
+              <a:lnSpc>
+                <a:spcPct val="90000"/>
+              </a:lnSpc>
+              <a:spcBef>
+                <a:spcPts val="500"/>
+              </a:spcBef>
+              <a:buFont typeface="Arial" panose="020B0604020202020204" pitchFamily="34" charset="0"/>
+              <a:buChar char="•"/>
+              <a:defRPr sz="1800" kern="1200">
+                <a:solidFill>
+                  <a:schemeClr val="tx1"/>
+                </a:solidFill>
+                <a:latin typeface="+mn-lt"/>
+                <a:ea typeface="+mn-ea"/>
+                <a:cs typeface="+mn-cs"/>
+              </a:defRPr>
+            </a:lvl9pPr>
+          </a:lstStyle>
+          <a:p>
+            <a:pPr algn="l">
+              <a:lnSpc>
+                <a:spcPct val="100000"/>
+              </a:lnSpc>
+            </a:pPr>
+            <a:r>
+              <a:rPr lang="hu-HU" sz="4800" dirty="0">
+                <a:solidFill>
+                  <a:schemeClr val="bg1"/>
+                </a:solidFill>
+                <a:latin typeface="Georgia" panose="02040502050405020303" pitchFamily="18" charset="0"/>
+                <a:cs typeface="Arial" panose="020B0604020202020204" pitchFamily="34" charset="0"/>
+              </a:rPr>
+              <a:t>Zárszó, gondolat a </a:t>
+            </a:r>
+            <a:r>
+              <a:rPr lang="hu-HU" sz="4800" dirty="0" err="1">
+                <a:solidFill>
+                  <a:schemeClr val="bg1"/>
+                </a:solidFill>
+                <a:latin typeface="Georgia" panose="02040502050405020303" pitchFamily="18" charset="0"/>
+                <a:cs typeface="Arial" panose="020B0604020202020204" pitchFamily="34" charset="0"/>
+              </a:rPr>
+              <a:t>Reinforcement</a:t>
+            </a:r>
+            <a:r>
+              <a:rPr lang="hu-HU" sz="4800" dirty="0">
+                <a:solidFill>
+                  <a:schemeClr val="bg1"/>
+                </a:solidFill>
+                <a:latin typeface="Georgia" panose="02040502050405020303" pitchFamily="18" charset="0"/>
+                <a:cs typeface="Arial" panose="020B0604020202020204" pitchFamily="34" charset="0"/>
+              </a:rPr>
+              <a:t> </a:t>
+            </a:r>
+            <a:r>
+              <a:rPr lang="hu-HU" sz="4800" dirty="0" err="1">
+                <a:solidFill>
+                  <a:schemeClr val="bg1"/>
+                </a:solidFill>
+                <a:latin typeface="Georgia" panose="02040502050405020303" pitchFamily="18" charset="0"/>
+                <a:cs typeface="Arial" panose="020B0604020202020204" pitchFamily="34" charset="0"/>
+              </a:rPr>
+              <a:t>Lr</a:t>
+            </a:r>
+            <a:r>
+              <a:rPr lang="hu-HU" sz="4800" dirty="0">
+                <a:solidFill>
+                  <a:schemeClr val="bg1"/>
+                </a:solidFill>
+                <a:latin typeface="Georgia" panose="02040502050405020303" pitchFamily="18" charset="0"/>
+                <a:cs typeface="Arial" panose="020B0604020202020204" pitchFamily="34" charset="0"/>
+              </a:rPr>
+              <a:t>-hez</a:t>
+            </a:r>
+            <a:endParaRPr lang="hu-HU" sz="4800" dirty="0">
+              <a:solidFill>
+                <a:schemeClr val="bg1"/>
+              </a:solidFill>
+              <a:latin typeface="Georgia" panose="02040502050405020303" pitchFamily="18" charset="0"/>
+              <a:cs typeface="Calibri Light" panose="020F0302020204030204" pitchFamily="34" charset="0"/>
+            </a:endParaRPr>
+          </a:p>
+        </p:txBody>
+      </p:sp>
+      <p:sp>
+        <p:nvSpPr>
+          <p:cNvPr id="21" name="Szöveg helye 14">
+            <a:extLst>
+              <a:ext uri="{FF2B5EF4-FFF2-40B4-BE49-F238E27FC236}">
+                <a16:creationId xmlns:a16="http://schemas.microsoft.com/office/drawing/2014/main" id="{920C72BD-0D36-4AEA-8F08-8B14DD2DECFF}"/>
+              </a:ext>
+            </a:extLst>
+          </p:cNvPr>
+          <p:cNvSpPr txBox="1">
+            <a:spLocks/>
+          </p:cNvSpPr>
+          <p:nvPr/>
+        </p:nvSpPr>
+        <p:spPr>
+          <a:xfrm>
+            <a:off x="541246" y="1512886"/>
+            <a:ext cx="4441571" cy="5345114"/>
+          </a:xfrm>
+          <a:prstGeom prst="rect">
+            <a:avLst/>
+          </a:prstGeom>
+          <a:noFill/>
+        </p:spPr>
+        <p:txBody>
+          <a:bodyPr vert="horz" lIns="108000" tIns="72000" rIns="72000" bIns="36000" rtlCol="0">
+            <a:noAutofit/>
+          </a:bodyPr>
+          <a:lstStyle>
+            <a:lvl1pPr marL="0" indent="0" algn="ctr" defTabSz="914400" rtl="0" eaLnBrk="1" latinLnBrk="0" hangingPunct="1">
+              <a:lnSpc>
+                <a:spcPct val="90000"/>
+              </a:lnSpc>
+              <a:spcBef>
+                <a:spcPts val="1000"/>
+              </a:spcBef>
+              <a:buFont typeface="Arial" panose="020B0604020202020204" pitchFamily="34" charset="0"/>
+              <a:buNone/>
+              <a:defRPr sz="1600" kern="1200">
+                <a:solidFill>
+                  <a:schemeClr val="tx1">
+                    <a:lumMod val="75000"/>
+                    <a:lumOff val="25000"/>
+                  </a:schemeClr>
+                </a:solidFill>
+                <a:latin typeface="+mn-lt"/>
+                <a:ea typeface="+mn-ea"/>
+                <a:cs typeface="+mn-cs"/>
+              </a:defRPr>
+            </a:lvl1pPr>
+            <a:lvl2pPr marL="542925" indent="-276225" algn="l" defTabSz="914400" rtl="0" eaLnBrk="1" latinLnBrk="0" hangingPunct="1">
+              <a:lnSpc>
+                <a:spcPct val="90000"/>
+              </a:lnSpc>
+              <a:spcBef>
+                <a:spcPts val="500"/>
+              </a:spcBef>
+              <a:buFont typeface="Arial" panose="020B0604020202020204" pitchFamily="34" charset="0"/>
+              <a:buChar char="•"/>
+              <a:defRPr sz="1600" kern="1200">
+                <a:solidFill>
+                  <a:schemeClr val="tx1">
+                    <a:lumMod val="75000"/>
+                    <a:lumOff val="25000"/>
+                  </a:schemeClr>
+                </a:solidFill>
+                <a:latin typeface="+mn-lt"/>
+                <a:ea typeface="+mn-ea"/>
+                <a:cs typeface="+mn-cs"/>
+              </a:defRPr>
+            </a:lvl2pPr>
+            <a:lvl3pPr marL="809625" indent="-266700" algn="l" defTabSz="914400" rtl="0" eaLnBrk="1" latinLnBrk="0" hangingPunct="1">
+              <a:lnSpc>
+                <a:spcPct val="90000"/>
+              </a:lnSpc>
+              <a:spcBef>
+                <a:spcPts val="500"/>
+              </a:spcBef>
+              <a:buFont typeface="Arial" panose="020B0604020202020204" pitchFamily="34" charset="0"/>
+              <a:buChar char="•"/>
+              <a:defRPr sz="1400" kern="1200">
+                <a:solidFill>
+                  <a:schemeClr val="tx1">
+                    <a:lumMod val="75000"/>
+                    <a:lumOff val="25000"/>
+                  </a:schemeClr>
+                </a:solidFill>
+                <a:latin typeface="+mn-lt"/>
+                <a:ea typeface="+mn-ea"/>
+                <a:cs typeface="+mn-cs"/>
+              </a:defRPr>
+            </a:lvl3pPr>
+            <a:lvl4pPr marL="1076325" indent="-266700" algn="l" defTabSz="914400" rtl="0" eaLnBrk="1" latinLnBrk="0" hangingPunct="1">
+              <a:lnSpc>
+                <a:spcPct val="90000"/>
+              </a:lnSpc>
+              <a:spcBef>
+                <a:spcPts val="500"/>
+              </a:spcBef>
+              <a:buFont typeface="Arial" panose="020B0604020202020204" pitchFamily="34" charset="0"/>
+              <a:buChar char="•"/>
+              <a:defRPr sz="1400" kern="1200">
+                <a:solidFill>
+                  <a:schemeClr val="tx1">
+                    <a:lumMod val="75000"/>
+                    <a:lumOff val="25000"/>
+                  </a:schemeClr>
+                </a:solidFill>
+                <a:latin typeface="+mn-lt"/>
+                <a:ea typeface="+mn-ea"/>
+                <a:cs typeface="+mn-cs"/>
+              </a:defRPr>
+            </a:lvl4pPr>
+            <a:lvl5pPr marL="1343025" indent="-266700" algn="l" defTabSz="914400" rtl="0" eaLnBrk="1" latinLnBrk="0" hangingPunct="1">
+              <a:lnSpc>
+                <a:spcPct val="90000"/>
+              </a:lnSpc>
+              <a:spcBef>
+                <a:spcPts val="500"/>
+              </a:spcBef>
+              <a:buFont typeface="Arial" panose="020B0604020202020204" pitchFamily="34" charset="0"/>
+              <a:buChar char="•"/>
+              <a:defRPr sz="1400" kern="1200">
+                <a:solidFill>
+                  <a:schemeClr val="tx1">
+                    <a:lumMod val="75000"/>
+                    <a:lumOff val="25000"/>
+                  </a:schemeClr>
+                </a:solidFill>
+                <a:latin typeface="+mn-lt"/>
+                <a:ea typeface="+mn-ea"/>
+                <a:cs typeface="+mn-cs"/>
+              </a:defRPr>
+            </a:lvl5pPr>
+            <a:lvl6pPr marL="2514600" indent="-228600" algn="l" defTabSz="914400" rtl="0" eaLnBrk="1" latinLnBrk="0" hangingPunct="1">
+              <a:lnSpc>
+                <a:spcPct val="90000"/>
+              </a:lnSpc>
+              <a:spcBef>
+                <a:spcPts val="500"/>
+              </a:spcBef>
+              <a:buFont typeface="Arial" panose="020B0604020202020204" pitchFamily="34" charset="0"/>
+              <a:buChar char="•"/>
+              <a:defRPr sz="1800" kern="1200">
+                <a:solidFill>
+                  <a:schemeClr val="tx1"/>
+                </a:solidFill>
+                <a:latin typeface="+mn-lt"/>
+                <a:ea typeface="+mn-ea"/>
+                <a:cs typeface="+mn-cs"/>
+              </a:defRPr>
+            </a:lvl6pPr>
+            <a:lvl7pPr marL="2971800" indent="-228600" algn="l" defTabSz="914400" rtl="0" eaLnBrk="1" latinLnBrk="0" hangingPunct="1">
+              <a:lnSpc>
+                <a:spcPct val="90000"/>
+              </a:lnSpc>
+              <a:spcBef>
+                <a:spcPts val="500"/>
+              </a:spcBef>
+              <a:buFont typeface="Arial" panose="020B0604020202020204" pitchFamily="34" charset="0"/>
+              <a:buChar char="•"/>
+              <a:defRPr sz="1800" kern="1200">
+                <a:solidFill>
+                  <a:schemeClr val="tx1"/>
+                </a:solidFill>
+                <a:latin typeface="+mn-lt"/>
+                <a:ea typeface="+mn-ea"/>
+                <a:cs typeface="+mn-cs"/>
+              </a:defRPr>
+            </a:lvl7pPr>
+            <a:lvl8pPr marL="3429000" indent="-228600" algn="l" defTabSz="914400" rtl="0" eaLnBrk="1" latinLnBrk="0" hangingPunct="1">
+              <a:lnSpc>
+                <a:spcPct val="90000"/>
+              </a:lnSpc>
+              <a:spcBef>
+                <a:spcPts val="500"/>
+              </a:spcBef>
+              <a:buFont typeface="Arial" panose="020B0604020202020204" pitchFamily="34" charset="0"/>
+              <a:buChar char="•"/>
+              <a:defRPr sz="1800" kern="1200">
+                <a:solidFill>
+                  <a:schemeClr val="tx1"/>
+                </a:solidFill>
+                <a:latin typeface="+mn-lt"/>
+                <a:ea typeface="+mn-ea"/>
+                <a:cs typeface="+mn-cs"/>
+              </a:defRPr>
+            </a:lvl8pPr>
+            <a:lvl9pPr marL="3886200" indent="-228600" algn="l" defTabSz="914400" rtl="0" eaLnBrk="1" latinLnBrk="0" hangingPunct="1">
+              <a:lnSpc>
+                <a:spcPct val="90000"/>
+              </a:lnSpc>
+              <a:spcBef>
+                <a:spcPts val="500"/>
+              </a:spcBef>
+              <a:buFont typeface="Arial" panose="020B0604020202020204" pitchFamily="34" charset="0"/>
+              <a:buChar char="•"/>
+              <a:defRPr sz="1800" kern="1200">
+                <a:solidFill>
+                  <a:schemeClr val="tx1"/>
+                </a:solidFill>
+                <a:latin typeface="+mn-lt"/>
+                <a:ea typeface="+mn-ea"/>
+                <a:cs typeface="+mn-cs"/>
+              </a:defRPr>
+            </a:lvl9pPr>
+          </a:lstStyle>
+          <a:p>
+            <a:pPr algn="l">
+              <a:lnSpc>
+                <a:spcPct val="100000"/>
+              </a:lnSpc>
+            </a:pPr>
+            <a:r>
+              <a:rPr lang="hu-HU" sz="4800" dirty="0">
+                <a:solidFill>
+                  <a:schemeClr val="bg1"/>
+                </a:solidFill>
+                <a:latin typeface="Georgia" panose="02040502050405020303" pitchFamily="18" charset="0"/>
+                <a:cs typeface="Arial" panose="020B0604020202020204" pitchFamily="34" charset="0"/>
+              </a:rPr>
+              <a:t>Bicskával fát vágni</a:t>
+            </a:r>
+            <a:br>
+              <a:rPr lang="hu-HU" sz="4800" dirty="0">
+                <a:solidFill>
+                  <a:schemeClr val="bg1"/>
+                </a:solidFill>
+                <a:latin typeface="Georgia" panose="02040502050405020303" pitchFamily="18" charset="0"/>
+                <a:cs typeface="Arial" panose="020B0604020202020204" pitchFamily="34" charset="0"/>
+              </a:rPr>
+            </a:br>
+            <a:endParaRPr lang="hu-HU" sz="4800" dirty="0">
+              <a:solidFill>
+                <a:schemeClr val="bg1"/>
+              </a:solidFill>
+              <a:latin typeface="Georgia" panose="02040502050405020303" pitchFamily="18" charset="0"/>
+              <a:cs typeface="Calibri Light" panose="020F0302020204030204" pitchFamily="34" charset="0"/>
+            </a:endParaRPr>
+          </a:p>
+          <a:p>
+            <a:pPr algn="l">
+              <a:lnSpc>
+                <a:spcPct val="100000"/>
+              </a:lnSpc>
+            </a:pPr>
+            <a:r>
+              <a:rPr lang="hu-HU" dirty="0">
+                <a:solidFill>
+                  <a:schemeClr val="bg1"/>
+                </a:solidFill>
+                <a:latin typeface="Arial" panose="020B0604020202020204" pitchFamily="34" charset="0"/>
+                <a:cs typeface="Arial" panose="020B0604020202020204" pitchFamily="34" charset="0"/>
+              </a:rPr>
+              <a:t>A szobatermosztát sem egy bonyolult szerkezet mégis több száz millió háztartásban használják. Nem biztos, hogy ezt a problémát nem lehet egyszerűbb rendszerekkel megoldani.</a:t>
+            </a:r>
+          </a:p>
+          <a:p>
+            <a:pPr algn="l">
+              <a:lnSpc>
+                <a:spcPct val="100000"/>
+              </a:lnSpc>
+            </a:pPr>
+            <a:endParaRPr lang="hu-HU" dirty="0">
+              <a:solidFill>
+                <a:schemeClr val="bg1"/>
+              </a:solidFill>
+              <a:latin typeface="Arial" panose="020B0604020202020204" pitchFamily="34" charset="0"/>
+              <a:cs typeface="Arial" panose="020B0604020202020204" pitchFamily="34" charset="0"/>
+            </a:endParaRPr>
+          </a:p>
+          <a:p>
+            <a:pPr algn="l">
+              <a:lnSpc>
+                <a:spcPct val="100000"/>
+              </a:lnSpc>
+            </a:pPr>
+            <a:r>
+              <a:rPr lang="hu-HU" dirty="0">
+                <a:solidFill>
+                  <a:schemeClr val="bg1"/>
+                </a:solidFill>
+                <a:latin typeface="Arial" panose="020B0604020202020204" pitchFamily="34" charset="0"/>
+                <a:cs typeface="Arial" panose="020B0604020202020204" pitchFamily="34" charset="0"/>
+              </a:rPr>
+              <a:t>Ennek ellenére az RL-t ki fogjuk próbálni, lehet hogy én leszek a legnagyobb híve</a:t>
+            </a:r>
+          </a:p>
+        </p:txBody>
+      </p:sp>
+      <p:sp>
+        <p:nvSpPr>
+          <p:cNvPr id="7" name="Szöveg helye 14">
+            <a:extLst>
+              <a:ext uri="{FF2B5EF4-FFF2-40B4-BE49-F238E27FC236}">
+                <a16:creationId xmlns:a16="http://schemas.microsoft.com/office/drawing/2014/main" id="{E7A037A9-7F8E-4580-9C7D-56A0450DBB67}"/>
+              </a:ext>
+            </a:extLst>
+          </p:cNvPr>
+          <p:cNvSpPr txBox="1">
+            <a:spLocks/>
+          </p:cNvSpPr>
+          <p:nvPr/>
+        </p:nvSpPr>
+        <p:spPr>
+          <a:xfrm>
+            <a:off x="5259019" y="1512886"/>
+            <a:ext cx="4441571" cy="5345114"/>
+          </a:xfrm>
+          <a:prstGeom prst="rect">
+            <a:avLst/>
+          </a:prstGeom>
+          <a:noFill/>
+        </p:spPr>
+        <p:txBody>
+          <a:bodyPr vert="horz" lIns="108000" tIns="72000" rIns="72000" bIns="36000" rtlCol="0">
+            <a:noAutofit/>
+          </a:bodyPr>
+          <a:lstStyle>
+            <a:lvl1pPr marL="0" indent="0" algn="ctr" defTabSz="914400" rtl="0" eaLnBrk="1" latinLnBrk="0" hangingPunct="1">
+              <a:lnSpc>
+                <a:spcPct val="90000"/>
+              </a:lnSpc>
+              <a:spcBef>
+                <a:spcPts val="1000"/>
+              </a:spcBef>
+              <a:buFont typeface="Arial" panose="020B0604020202020204" pitchFamily="34" charset="0"/>
+              <a:buNone/>
+              <a:defRPr sz="1600" kern="1200">
+                <a:solidFill>
+                  <a:schemeClr val="tx1">
+                    <a:lumMod val="75000"/>
+                    <a:lumOff val="25000"/>
+                  </a:schemeClr>
+                </a:solidFill>
+                <a:latin typeface="+mn-lt"/>
+                <a:ea typeface="+mn-ea"/>
+                <a:cs typeface="+mn-cs"/>
+              </a:defRPr>
+            </a:lvl1pPr>
+            <a:lvl2pPr marL="542925" indent="-276225" algn="l" defTabSz="914400" rtl="0" eaLnBrk="1" latinLnBrk="0" hangingPunct="1">
+              <a:lnSpc>
+                <a:spcPct val="90000"/>
+              </a:lnSpc>
+              <a:spcBef>
+                <a:spcPts val="500"/>
+              </a:spcBef>
+              <a:buFont typeface="Arial" panose="020B0604020202020204" pitchFamily="34" charset="0"/>
+              <a:buChar char="•"/>
+              <a:defRPr sz="1600" kern="1200">
+                <a:solidFill>
+                  <a:schemeClr val="tx1">
+                    <a:lumMod val="75000"/>
+                    <a:lumOff val="25000"/>
+                  </a:schemeClr>
+                </a:solidFill>
+                <a:latin typeface="+mn-lt"/>
+                <a:ea typeface="+mn-ea"/>
+                <a:cs typeface="+mn-cs"/>
+              </a:defRPr>
+            </a:lvl2pPr>
+            <a:lvl3pPr marL="809625" indent="-266700" algn="l" defTabSz="914400" rtl="0" eaLnBrk="1" latinLnBrk="0" hangingPunct="1">
+              <a:lnSpc>
+                <a:spcPct val="90000"/>
+              </a:lnSpc>
+              <a:spcBef>
+                <a:spcPts val="500"/>
+              </a:spcBef>
+              <a:buFont typeface="Arial" panose="020B0604020202020204" pitchFamily="34" charset="0"/>
+              <a:buChar char="•"/>
+              <a:defRPr sz="1400" kern="1200">
+                <a:solidFill>
+                  <a:schemeClr val="tx1">
+                    <a:lumMod val="75000"/>
+                    <a:lumOff val="25000"/>
+                  </a:schemeClr>
+                </a:solidFill>
+                <a:latin typeface="+mn-lt"/>
+                <a:ea typeface="+mn-ea"/>
+                <a:cs typeface="+mn-cs"/>
+              </a:defRPr>
+            </a:lvl3pPr>
+            <a:lvl4pPr marL="1076325" indent="-266700" algn="l" defTabSz="914400" rtl="0" eaLnBrk="1" latinLnBrk="0" hangingPunct="1">
+              <a:lnSpc>
+                <a:spcPct val="90000"/>
+              </a:lnSpc>
+              <a:spcBef>
+                <a:spcPts val="500"/>
+              </a:spcBef>
+              <a:buFont typeface="Arial" panose="020B0604020202020204" pitchFamily="34" charset="0"/>
+              <a:buChar char="•"/>
+              <a:defRPr sz="1400" kern="1200">
+                <a:solidFill>
+                  <a:schemeClr val="tx1">
+                    <a:lumMod val="75000"/>
+                    <a:lumOff val="25000"/>
+                  </a:schemeClr>
+                </a:solidFill>
+                <a:latin typeface="+mn-lt"/>
+                <a:ea typeface="+mn-ea"/>
+                <a:cs typeface="+mn-cs"/>
+              </a:defRPr>
+            </a:lvl4pPr>
+            <a:lvl5pPr marL="1343025" indent="-266700" algn="l" defTabSz="914400" rtl="0" eaLnBrk="1" latinLnBrk="0" hangingPunct="1">
+              <a:lnSpc>
+                <a:spcPct val="90000"/>
+              </a:lnSpc>
+              <a:spcBef>
+                <a:spcPts val="500"/>
+              </a:spcBef>
+              <a:buFont typeface="Arial" panose="020B0604020202020204" pitchFamily="34" charset="0"/>
+              <a:buChar char="•"/>
+              <a:defRPr sz="1400" kern="1200">
+                <a:solidFill>
+                  <a:schemeClr val="tx1">
+                    <a:lumMod val="75000"/>
+                    <a:lumOff val="25000"/>
+                  </a:schemeClr>
+                </a:solidFill>
+                <a:latin typeface="+mn-lt"/>
+                <a:ea typeface="+mn-ea"/>
+                <a:cs typeface="+mn-cs"/>
+              </a:defRPr>
+            </a:lvl5pPr>
+            <a:lvl6pPr marL="2514600" indent="-228600" algn="l" defTabSz="914400" rtl="0" eaLnBrk="1" latinLnBrk="0" hangingPunct="1">
+              <a:lnSpc>
+                <a:spcPct val="90000"/>
+              </a:lnSpc>
+              <a:spcBef>
+                <a:spcPts val="500"/>
+              </a:spcBef>
+              <a:buFont typeface="Arial" panose="020B0604020202020204" pitchFamily="34" charset="0"/>
+              <a:buChar char="•"/>
+              <a:defRPr sz="1800" kern="1200">
+                <a:solidFill>
+                  <a:schemeClr val="tx1"/>
+                </a:solidFill>
+                <a:latin typeface="+mn-lt"/>
+                <a:ea typeface="+mn-ea"/>
+                <a:cs typeface="+mn-cs"/>
+              </a:defRPr>
+            </a:lvl6pPr>
+            <a:lvl7pPr marL="2971800" indent="-228600" algn="l" defTabSz="914400" rtl="0" eaLnBrk="1" latinLnBrk="0" hangingPunct="1">
+              <a:lnSpc>
+                <a:spcPct val="90000"/>
+              </a:lnSpc>
+              <a:spcBef>
+                <a:spcPts val="500"/>
+              </a:spcBef>
+              <a:buFont typeface="Arial" panose="020B0604020202020204" pitchFamily="34" charset="0"/>
+              <a:buChar char="•"/>
+              <a:defRPr sz="1800" kern="1200">
+                <a:solidFill>
+                  <a:schemeClr val="tx1"/>
+                </a:solidFill>
+                <a:latin typeface="+mn-lt"/>
+                <a:ea typeface="+mn-ea"/>
+                <a:cs typeface="+mn-cs"/>
+              </a:defRPr>
+            </a:lvl7pPr>
+            <a:lvl8pPr marL="3429000" indent="-228600" algn="l" defTabSz="914400" rtl="0" eaLnBrk="1" latinLnBrk="0" hangingPunct="1">
+              <a:lnSpc>
+                <a:spcPct val="90000"/>
+              </a:lnSpc>
+              <a:spcBef>
+                <a:spcPts val="500"/>
+              </a:spcBef>
+              <a:buFont typeface="Arial" panose="020B0604020202020204" pitchFamily="34" charset="0"/>
+              <a:buChar char="•"/>
+              <a:defRPr sz="1800" kern="1200">
+                <a:solidFill>
+                  <a:schemeClr val="tx1"/>
+                </a:solidFill>
+                <a:latin typeface="+mn-lt"/>
+                <a:ea typeface="+mn-ea"/>
+                <a:cs typeface="+mn-cs"/>
+              </a:defRPr>
+            </a:lvl8pPr>
+            <a:lvl9pPr marL="3886200" indent="-228600" algn="l" defTabSz="914400" rtl="0" eaLnBrk="1" latinLnBrk="0" hangingPunct="1">
+              <a:lnSpc>
+                <a:spcPct val="90000"/>
+              </a:lnSpc>
+              <a:spcBef>
+                <a:spcPts val="500"/>
+              </a:spcBef>
+              <a:buFont typeface="Arial" panose="020B0604020202020204" pitchFamily="34" charset="0"/>
+              <a:buChar char="•"/>
+              <a:defRPr sz="1800" kern="1200">
+                <a:solidFill>
+                  <a:schemeClr val="tx1"/>
+                </a:solidFill>
+                <a:latin typeface="+mn-lt"/>
+                <a:ea typeface="+mn-ea"/>
+                <a:cs typeface="+mn-cs"/>
+              </a:defRPr>
+            </a:lvl9pPr>
+          </a:lstStyle>
+          <a:p>
+            <a:pPr algn="l">
+              <a:lnSpc>
+                <a:spcPct val="100000"/>
+              </a:lnSpc>
+            </a:pPr>
+            <a:r>
+              <a:rPr lang="hu-HU" sz="4800" dirty="0">
+                <a:solidFill>
+                  <a:schemeClr val="bg1"/>
+                </a:solidFill>
+                <a:latin typeface="Georgia" panose="02040502050405020303" pitchFamily="18" charset="0"/>
+                <a:cs typeface="Arial" panose="020B0604020202020204" pitchFamily="34" charset="0"/>
+              </a:rPr>
+              <a:t>Vagy ágyúval verébre?</a:t>
+            </a:r>
+            <a:br>
+              <a:rPr lang="hu-HU" sz="4800" dirty="0">
+                <a:solidFill>
+                  <a:schemeClr val="bg1"/>
+                </a:solidFill>
+                <a:latin typeface="Georgia" panose="02040502050405020303" pitchFamily="18" charset="0"/>
+                <a:cs typeface="Arial" panose="020B0604020202020204" pitchFamily="34" charset="0"/>
+              </a:rPr>
+            </a:br>
+            <a:endParaRPr lang="hu-HU" sz="4800" dirty="0">
+              <a:solidFill>
+                <a:schemeClr val="bg1"/>
+              </a:solidFill>
+              <a:latin typeface="Georgia" panose="02040502050405020303" pitchFamily="18" charset="0"/>
+              <a:cs typeface="Calibri Light" panose="020F0302020204030204" pitchFamily="34" charset="0"/>
+            </a:endParaRPr>
+          </a:p>
+          <a:p>
+            <a:pPr algn="l">
+              <a:lnSpc>
+                <a:spcPct val="100000"/>
+              </a:lnSpc>
+            </a:pPr>
+            <a:r>
+              <a:rPr lang="hu-HU" dirty="0">
+                <a:solidFill>
+                  <a:schemeClr val="bg1"/>
+                </a:solidFill>
+                <a:latin typeface="Arial" panose="020B0604020202020204" pitchFamily="34" charset="0"/>
+                <a:cs typeface="Arial" panose="020B0604020202020204" pitchFamily="34" charset="0"/>
+              </a:rPr>
+              <a:t>Nem arra akarom kihegyezni e PhD témát, hogyan lehet egy RL problémát nem RL módszertannal megoldani, de azt továbbra is egy érdekes és releváns felvetésnek tartom, hogy ha meg lehet oldani szimulációs környezet kiépítése nélkül és meg lehet oldani úgy akkor az előny azzal szemben ha szimulált környezetet kell neki kialakítani.</a:t>
+            </a:r>
+          </a:p>
+          <a:p>
+            <a:pPr algn="l">
+              <a:lnSpc>
+                <a:spcPct val="100000"/>
+              </a:lnSpc>
+            </a:pPr>
+            <a:r>
+              <a:rPr lang="hu-HU" dirty="0">
+                <a:solidFill>
+                  <a:schemeClr val="bg1"/>
+                </a:solidFill>
+                <a:latin typeface="Arial" panose="020B0604020202020204" pitchFamily="34" charset="0"/>
+                <a:cs typeface="Arial" panose="020B0604020202020204" pitchFamily="34" charset="0"/>
+              </a:rPr>
+              <a:t>Persze ehhez alaposan meg kell érteni és összehasonlítani a kettő módszert.</a:t>
+            </a:r>
+          </a:p>
+        </p:txBody>
+      </p:sp>
+    </p:spTree>
+    <p:extLst>
+      <p:ext uri="{BB962C8B-B14F-4D97-AF65-F5344CB8AC3E}">
+        <p14:creationId xmlns:p14="http://schemas.microsoft.com/office/powerpoint/2010/main" val="819728284"/>
+      </p:ext>
+    </p:extLst>
+  </p:cSld>
+  <p:clrMapOvr>
+    <a:masterClrMapping/>
+  </p:clrMapOvr>
+  <mc:AlternateContent xmlns:mc="http://schemas.openxmlformats.org/markup-compatibility/2006">
+    <mc:Choice xmlns:p14="http://schemas.microsoft.com/office/powerpoint/2010/main" Requires="p14">
+      <p:transition spd="med" p14:dur="700">
+        <p:fade/>
+      </p:transition>
+    </mc:Choice>
+    <mc:Fallback>
+      <p:transition spd="med">
+        <p:fade/>
+      </p:transition>
+    </mc:Fallback>
+  </mc:AlternateContent>
+  <p:timing>
+    <p:tnLst>
+      <p:par>
+        <p:cTn id="1" dur="indefinite" restart="never" nodeType="tmRoot">
+          <p:childTnLst>
+            <p:seq concurrent="1" nextAc="seek">
+              <p:cTn id="2" dur="indefinite" nodeType="mainSeq">
+                <p:childTnLst>
+                  <p:par>
+                    <p:cTn id="3" fill="hold">
+                      <p:stCondLst>
+                        <p:cond delay="indefinite"/>
+                      </p:stCondLst>
+                      <p:childTnLst>
+                        <p:par>
+                          <p:cTn id="4" fill="hold">
+                            <p:stCondLst>
+                              <p:cond delay="0"/>
+                            </p:stCondLst>
+                            <p:childTnLst>
+                              <p:par>
+                                <p:cTn id="5" presetID="10" presetClass="entr" presetSubtype="0" fill="hold" grpId="0" nodeType="clickEffect">
+                                  <p:stCondLst>
+                                    <p:cond delay="0"/>
+                                  </p:stCondLst>
+                                  <p:childTnLst>
+                                    <p:set>
+                                      <p:cBhvr>
+                                        <p:cTn id="6" dur="1" fill="hold">
+                                          <p:stCondLst>
+                                            <p:cond delay="0"/>
+                                          </p:stCondLst>
+                                        </p:cTn>
+                                        <p:tgtEl>
+                                          <p:spTgt spid="21"/>
+                                        </p:tgtEl>
+                                        <p:attrNameLst>
+                                          <p:attrName>style.visibility</p:attrName>
+                                        </p:attrNameLst>
+                                      </p:cBhvr>
+                                      <p:to>
+                                        <p:strVal val="visible"/>
+                                      </p:to>
+                                    </p:set>
+                                    <p:animEffect transition="in" filter="fade">
+                                      <p:cBhvr>
+                                        <p:cTn id="7" dur="500"/>
+                                        <p:tgtEl>
+                                          <p:spTgt spid="21"/>
+                                        </p:tgtEl>
+                                      </p:cBhvr>
+                                    </p:animEffect>
+                                  </p:childTnLst>
+                                </p:cTn>
+                              </p:par>
+                            </p:childTnLst>
+                          </p:cTn>
+                        </p:par>
+                      </p:childTnLst>
+                    </p:cTn>
+                  </p:par>
+                  <p:par>
+                    <p:cTn id="8" fill="hold">
+                      <p:stCondLst>
+                        <p:cond delay="indefinite"/>
+                      </p:stCondLst>
+                      <p:childTnLst>
+                        <p:par>
+                          <p:cTn id="9" fill="hold">
+                            <p:stCondLst>
+                              <p:cond delay="0"/>
+                            </p:stCondLst>
+                            <p:childTnLst>
+                              <p:par>
+                                <p:cTn id="10" presetID="10" presetClass="entr" presetSubtype="0" fill="hold" grpId="0" nodeType="clickEffect">
+                                  <p:stCondLst>
+                                    <p:cond delay="0"/>
+                                  </p:stCondLst>
+                                  <p:childTnLst>
+                                    <p:set>
+                                      <p:cBhvr>
+                                        <p:cTn id="11" dur="1" fill="hold">
+                                          <p:stCondLst>
+                                            <p:cond delay="0"/>
+                                          </p:stCondLst>
+                                        </p:cTn>
+                                        <p:tgtEl>
+                                          <p:spTgt spid="7"/>
+                                        </p:tgtEl>
+                                        <p:attrNameLst>
+                                          <p:attrName>style.visibility</p:attrName>
+                                        </p:attrNameLst>
+                                      </p:cBhvr>
+                                      <p:to>
+                                        <p:strVal val="visible"/>
+                                      </p:to>
+                                    </p:set>
+                                    <p:animEffect transition="in" filter="fade">
+                                      <p:cBhvr>
+                                        <p:cTn id="12" dur="500"/>
+                                        <p:tgtEl>
+                                          <p:spTgt spid="7"/>
+                                        </p:tgtEl>
+                                      </p:cBhvr>
+                                    </p:animEffect>
+                                  </p:childTnLst>
+                                </p:cTn>
+                              </p:par>
+                            </p:childTnLst>
+                          </p:cTn>
+                        </p:par>
+                      </p:childTnLst>
+                    </p:cTn>
+                  </p:par>
+                </p:childTnLst>
+              </p:cTn>
+              <p:prevCondLst>
+                <p:cond evt="onPrev" delay="0">
+                  <p:tgtEl>
+                    <p:sldTgt/>
+                  </p:tgtEl>
+                </p:cond>
+              </p:prevCondLst>
+              <p:nextCondLst>
+                <p:cond evt="onNext" delay="0">
+                  <p:tgtEl>
+                    <p:sldTgt/>
+                  </p:tgtEl>
+                </p:cond>
+              </p:nextCondLst>
+            </p:seq>
+          </p:childTnLst>
+        </p:cTn>
+      </p:par>
+    </p:tnLst>
+    <p:bldLst>
+      <p:bldP spid="21" grpId="0"/>
+      <p:bldP spid="7" grpId="0"/>
+    </p:bldLst>
+  </p:timing>
+</p:sld>
+</file>
+
+<file path=ppt/slides/slide15.xml><?xml version="1.0" encoding="utf-8"?>
 <p:sld xmlns:a="http://schemas.openxmlformats.org/drawingml/2006/main" xmlns:r="http://schemas.openxmlformats.org/officeDocument/2006/relationships" xmlns:p="http://schemas.openxmlformats.org/presentationml/2006/main">
   <p:cSld>
     <p:spTree>
@@ -17291,7 +19659,7 @@
                 <a:latin typeface="Arial" panose="020B0604020202020204" pitchFamily="34" charset="0"/>
                 <a:cs typeface="Arial" panose="020B0604020202020204" pitchFamily="34" charset="0"/>
               </a:rPr>
-              <a:t> de pariban van fele, legalábbis ami a mögötte levő neurális háló architektúrát jelenti.</a:t>
+              <a:t> de pariban van vele, legalábbis ami a mögötte levő neurális háló architektúrát jelenti.</a:t>
             </a:r>
             <a:br>
               <a:rPr lang="hu-HU" dirty="0">
